--- a/Vendor_Boards/Great_Cow_Basic_Demo_Board/16F17556_chiprange_demonstrations/tutorials/GCBASIC_Part20_Summary.pptx
+++ b/Vendor_Boards/Great_Cow_Basic_Demo_Board/16F17556_chiprange_demonstrations/tutorials/GCBASIC_Part20_Summary.pptx
@@ -14,15 +14,15 @@
     <p:sldId id="294" r:id="rId2"/>
     <p:sldId id="256" r:id="rId3"/>
     <p:sldId id="295" r:id="rId4"/>
-    <p:sldId id="283" r:id="rId5"/>
-    <p:sldId id="356" r:id="rId6"/>
+    <p:sldId id="364" r:id="rId5"/>
+    <p:sldId id="365" r:id="rId6"/>
     <p:sldId id="358" r:id="rId7"/>
     <p:sldId id="359" r:id="rId8"/>
     <p:sldId id="360" r:id="rId9"/>
     <p:sldId id="361" r:id="rId10"/>
     <p:sldId id="362" r:id="rId11"/>
     <p:sldId id="363" r:id="rId12"/>
-    <p:sldId id="352" r:id="rId13"/>
+    <p:sldId id="366" r:id="rId13"/>
   </p:sldIdLst>
   <p:sldSz cx="9144000" cy="5143500" type="screen16x9"/>
   <p:notesSz cx="6858000" cy="9144000"/>
@@ -207,7 +207,7 @@
             <a:fld id="{742E545A-AB39-44F0-B5A6-04A90C6C9399}" type="datetimeFigureOut">
               <a:rPr lang="en-GB" smtClean="0"/>
               <a:pPr/>
-              <a:t>14/12/2024</a:t>
+              <a:t>26/01/2026</a:t>
             </a:fld>
             <a:endParaRPr lang="en-GB" dirty="0"/>
           </a:p>
@@ -374,7 +374,7 @@
             <a:fld id="{FF100B3C-2E11-428B-8555-A77018253716}" type="datetimeFigureOut">
               <a:rPr lang="en-GB" smtClean="0"/>
               <a:pPr/>
-              <a:t>14/12/2024</a:t>
+              <a:t>26/01/2026</a:t>
             </a:fld>
             <a:endParaRPr lang="en-GB" dirty="0"/>
           </a:p>
@@ -730,6 +730,91 @@
 </p:notes>
 </file>
 
+<file path=ppt/notesSlides/notesSlide2.xml><?xml version="1.0" encoding="utf-8"?>
+<p:notes xmlns:a="http://schemas.openxmlformats.org/drawingml/2006/main" xmlns:r="http://schemas.openxmlformats.org/officeDocument/2006/relationships" xmlns:p="http://schemas.openxmlformats.org/presentationml/2006/main">
+  <p:cSld>
+    <p:spTree>
+      <p:nvGrpSpPr>
+        <p:cNvPr id="1" name=""/>
+        <p:cNvGrpSpPr/>
+        <p:nvPr/>
+      </p:nvGrpSpPr>
+      <p:grpSpPr>
+        <a:xfrm>
+          <a:off x="0" y="0"/>
+          <a:ext cx="0" cy="0"/>
+          <a:chOff x="0" y="0"/>
+          <a:chExt cx="0" cy="0"/>
+        </a:xfrm>
+      </p:grpSpPr>
+      <p:sp>
+        <p:nvSpPr>
+          <p:cNvPr id="2" name="Slide Image Placeholder 1"/>
+          <p:cNvSpPr>
+            <a:spLocks noGrp="1" noRot="1" noChangeAspect="1"/>
+          </p:cNvSpPr>
+          <p:nvPr>
+            <p:ph type="sldImg"/>
+          </p:nvPr>
+        </p:nvSpPr>
+        <p:spPr/>
+      </p:sp>
+      <p:sp>
+        <p:nvSpPr>
+          <p:cNvPr id="3" name="Notes Placeholder 2"/>
+          <p:cNvSpPr>
+            <a:spLocks noGrp="1"/>
+          </p:cNvSpPr>
+          <p:nvPr>
+            <p:ph type="body" idx="1"/>
+          </p:nvPr>
+        </p:nvSpPr>
+        <p:spPr/>
+        <p:txBody>
+          <a:bodyPr/>
+          <a:lstStyle/>
+          <a:p>
+            <a:endParaRPr lang="en-GB" dirty="0"/>
+          </a:p>
+        </p:txBody>
+      </p:sp>
+      <p:sp>
+        <p:nvSpPr>
+          <p:cNvPr id="4" name="Slide Number Placeholder 3"/>
+          <p:cNvSpPr>
+            <a:spLocks noGrp="1"/>
+          </p:cNvSpPr>
+          <p:nvPr>
+            <p:ph type="sldNum" sz="quarter" idx="10"/>
+          </p:nvPr>
+        </p:nvSpPr>
+        <p:spPr/>
+        <p:txBody>
+          <a:bodyPr/>
+          <a:lstStyle/>
+          <a:p>
+            <a:fld id="{8733471A-AA0F-4CD3-BA89-C1C7FB68C6DB}" type="slidenum">
+              <a:rPr lang="en-GB" smtClean="0"/>
+              <a:pPr/>
+              <a:t>12</a:t>
+            </a:fld>
+            <a:endParaRPr lang="en-GB" dirty="0"/>
+          </a:p>
+        </p:txBody>
+      </p:sp>
+    </p:spTree>
+    <p:extLst>
+      <p:ext uri="{BB962C8B-B14F-4D97-AF65-F5344CB8AC3E}">
+        <p14:creationId xmlns:p14="http://schemas.microsoft.com/office/powerpoint/2010/main" val="3016735464"/>
+      </p:ext>
+    </p:extLst>
+  </p:cSld>
+  <p:clrMapOvr>
+    <a:masterClrMapping/>
+  </p:clrMapOvr>
+</p:notes>
+</file>
+
 <file path=ppt/slideLayouts/slideLayout1.xml><?xml version="1.0" encoding="utf-8"?>
 <p:sldLayout xmlns:a="http://schemas.openxmlformats.org/drawingml/2006/main" xmlns:r="http://schemas.openxmlformats.org/officeDocument/2006/relationships" xmlns:p="http://schemas.openxmlformats.org/presentationml/2006/main" preserve="1">
   <p:cSld name="Main Title">
@@ -1374,7 +1459,7 @@
             <a:fld id="{C473AACB-D821-4991-9D88-46EB8D29E619}" type="datetimeFigureOut">
               <a:rPr lang="en-GB" smtClean="0"/>
               <a:pPr/>
-              <a:t>14/12/2024</a:t>
+              <a:t>26/01/2026</a:t>
             </a:fld>
             <a:endParaRPr lang="en-GB" dirty="0"/>
           </a:p>
@@ -1668,7 +1753,7 @@
             <a:fld id="{C473AACB-D821-4991-9D88-46EB8D29E619}" type="datetimeFigureOut">
               <a:rPr lang="en-GB" smtClean="0"/>
               <a:pPr/>
-              <a:t>14/12/2024</a:t>
+              <a:t>26/01/2026</a:t>
             </a:fld>
             <a:endParaRPr lang="en-GB" dirty="0"/>
           </a:p>
@@ -1921,7 +2006,7 @@
             <a:fld id="{C473AACB-D821-4991-9D88-46EB8D29E619}" type="datetimeFigureOut">
               <a:rPr lang="en-GB" smtClean="0"/>
               <a:pPr/>
-              <a:t>14/12/2024</a:t>
+              <a:t>26/01/2026</a:t>
             </a:fld>
             <a:endParaRPr lang="en-GB" dirty="0"/>
           </a:p>
@@ -2266,7 +2351,7 @@
             <a:fld id="{C473AACB-D821-4991-9D88-46EB8D29E619}" type="datetimeFigureOut">
               <a:rPr lang="en-GB" smtClean="0"/>
               <a:pPr/>
-              <a:t>14/12/2024</a:t>
+              <a:t>26/01/2026</a:t>
             </a:fld>
             <a:endParaRPr lang="en-GB" dirty="0"/>
           </a:p>
@@ -2638,7 +2723,7 @@
             <a:fld id="{C473AACB-D821-4991-9D88-46EB8D29E619}" type="datetimeFigureOut">
               <a:rPr lang="en-GB" smtClean="0"/>
               <a:pPr/>
-              <a:t>14/12/2024</a:t>
+              <a:t>26/01/2026</a:t>
             </a:fld>
             <a:endParaRPr lang="en-GB" dirty="0"/>
           </a:p>
@@ -2984,7 +3069,7 @@
             <a:fld id="{C473AACB-D821-4991-9D88-46EB8D29E619}" type="datetimeFigureOut">
               <a:rPr lang="en-GB" smtClean="0"/>
               <a:pPr/>
-              <a:t>14/12/2024</a:t>
+              <a:t>26/01/2026</a:t>
             </a:fld>
             <a:endParaRPr lang="en-GB" dirty="0"/>
           </a:p>
@@ -3408,7 +3493,7 @@
             <a:fld id="{C473AACB-D821-4991-9D88-46EB8D29E619}" type="datetimeFigureOut">
               <a:rPr lang="en-GB" smtClean="0"/>
               <a:pPr/>
-              <a:t>14/12/2024</a:t>
+              <a:t>26/01/2026</a:t>
             </a:fld>
             <a:endParaRPr lang="en-GB" dirty="0"/>
           </a:p>
@@ -3643,7 +3728,7 @@
             <a:fld id="{C473AACB-D821-4991-9D88-46EB8D29E619}" type="datetimeFigureOut">
               <a:rPr lang="en-GB" smtClean="0"/>
               <a:pPr/>
-              <a:t>14/12/2024</a:t>
+              <a:t>26/01/2026</a:t>
             </a:fld>
             <a:endParaRPr lang="en-GB" dirty="0"/>
           </a:p>
@@ -3854,7 +3939,7 @@
             <a:fld id="{C473AACB-D821-4991-9D88-46EB8D29E619}" type="datetimeFigureOut">
               <a:rPr lang="en-GB" smtClean="0"/>
               <a:pPr/>
-              <a:t>14/12/2024</a:t>
+              <a:t>26/01/2026</a:t>
             </a:fld>
             <a:endParaRPr lang="en-GB" dirty="0"/>
           </a:p>
@@ -4072,7 +4157,7 @@
             <a:fld id="{C473AACB-D821-4991-9D88-46EB8D29E619}" type="datetimeFigureOut">
               <a:rPr lang="en-GB" smtClean="0"/>
               <a:pPr/>
-              <a:t>14/12/2024</a:t>
+              <a:t>26/01/2026</a:t>
             </a:fld>
             <a:endParaRPr lang="en-GB" dirty="0"/>
           </a:p>
@@ -4887,7 +4972,7 @@
             <a:fld id="{C473AACB-D821-4991-9D88-46EB8D29E619}" type="datetimeFigureOut">
               <a:rPr lang="en-GB" smtClean="0"/>
               <a:pPr/>
-              <a:t>14/12/2024</a:t>
+              <a:t>26/01/2026</a:t>
             </a:fld>
             <a:endParaRPr lang="en-GB" dirty="0"/>
           </a:p>
@@ -5701,7 +5786,7 @@
             <a:fld id="{C473AACB-D821-4991-9D88-46EB8D29E619}" type="datetimeFigureOut">
               <a:rPr lang="en-GB" smtClean="0"/>
               <a:pPr/>
-              <a:t>14/12/2024</a:t>
+              <a:t>26/01/2026</a:t>
             </a:fld>
             <a:endParaRPr lang="en-GB" dirty="0"/>
           </a:p>
@@ -5950,7 +6035,7 @@
             <a:fld id="{C473AACB-D821-4991-9D88-46EB8D29E619}" type="datetimeFigureOut">
               <a:rPr lang="en-GB" smtClean="0"/>
               <a:pPr/>
-              <a:t>14/12/2024</a:t>
+              <a:t>26/01/2026</a:t>
             </a:fld>
             <a:endParaRPr lang="en-GB" dirty="0"/>
           </a:p>
@@ -6214,7 +6299,7 @@
             <a:fld id="{C473AACB-D821-4991-9D88-46EB8D29E619}" type="datetimeFigureOut">
               <a:rPr lang="en-GB" smtClean="0"/>
               <a:pPr/>
-              <a:t>14/12/2024</a:t>
+              <a:t>26/01/2026</a:t>
             </a:fld>
             <a:endParaRPr lang="en-GB" dirty="0"/>
           </a:p>
@@ -6654,7 +6739,7 @@
             <a:fld id="{C473AACB-D821-4991-9D88-46EB8D29E619}" type="datetimeFigureOut">
               <a:rPr lang="en-GB" smtClean="0"/>
               <a:pPr/>
-              <a:t>14/12/2024</a:t>
+              <a:t>26/01/2026</a:t>
             </a:fld>
             <a:endParaRPr lang="en-GB" dirty="0"/>
           </a:p>
@@ -6809,7 +6894,7 @@
             <a:fld id="{C473AACB-D821-4991-9D88-46EB8D29E619}" type="datetimeFigureOut">
               <a:rPr lang="en-GB" smtClean="0"/>
               <a:pPr/>
-              <a:t>14/12/2024</a:t>
+              <a:t>26/01/2026</a:t>
             </a:fld>
             <a:endParaRPr lang="en-GB" dirty="0"/>
           </a:p>
@@ -6906,7 +6991,7 @@
             <a:fld id="{C473AACB-D821-4991-9D88-46EB8D29E619}" type="datetimeFigureOut">
               <a:rPr lang="en-GB" smtClean="0"/>
               <a:pPr/>
-              <a:t>14/12/2024</a:t>
+              <a:t>26/01/2026</a:t>
             </a:fld>
             <a:endParaRPr lang="en-GB" dirty="0"/>
           </a:p>
@@ -7683,7 +7768,7 @@
             <a:fld id="{C473AACB-D821-4991-9D88-46EB8D29E619}" type="datetimeFigureOut">
               <a:rPr lang="en-GB" smtClean="0"/>
               <a:pPr/>
-              <a:t>14/12/2024</a:t>
+              <a:t>26/01/2026</a:t>
             </a:fld>
             <a:endParaRPr lang="en-GB" dirty="0"/>
           </a:p>
@@ -8257,8 +8342,9 @@
           <a:p>
             <a:r>
               <a:rPr lang="en-GB" dirty="0" smtClean="0"/>
-              <a:t>PIC18FxxQ24</a:t>
-            </a:r>
+              <a:t>PIC16F175xx</a:t>
+            </a:r>
+            <a:endParaRPr lang="en-GB" dirty="0" smtClean="0"/>
           </a:p>
           <a:p>
             <a:pPr marL="538163" indent="-538163"/>
@@ -8471,7 +8557,12 @@
             <p:ph idx="1"/>
           </p:nvPr>
         </p:nvSpPr>
-        <p:spPr/>
+        <p:spPr>
+          <a:xfrm>
+            <a:off x="467544" y="1779662"/>
+            <a:ext cx="6447501" cy="2744167"/>
+          </a:xfrm>
+        </p:spPr>
         <p:txBody>
           <a:bodyPr>
             <a:normAutofit fontScale="92500" lnSpcReduction="10000"/>
@@ -8480,11 +8571,11 @@
           <a:p>
             <a:r>
               <a:rPr lang="en-GB" dirty="0" smtClean="0"/>
-              <a:t>GCBASIC supports </a:t>
-            </a:r>
-            <a:r>
-              <a:rPr lang="en-GB" smtClean="0"/>
-              <a:t>the PIC18-Q24</a:t>
+              <a:t>GCBASIC supports the </a:t>
+            </a:r>
+            <a:r>
+              <a:rPr lang="en-GB" dirty="0" smtClean="0"/>
+              <a:t>PIC16F175xx</a:t>
             </a:r>
             <a:endParaRPr lang="en-GB" dirty="0" smtClean="0"/>
           </a:p>
@@ -8510,7 +8601,11 @@
             <a:pPr lvl="1"/>
             <a:r>
               <a:rPr lang="en-GB" dirty="0" smtClean="0"/>
-              <a:t>12-bit ADC</a:t>
+              <a:t>10-bit </a:t>
+            </a:r>
+            <a:r>
+              <a:rPr lang="en-GB" dirty="0" smtClean="0"/>
+              <a:t>ADC</a:t>
             </a:r>
           </a:p>
           <a:p>
@@ -8602,12 +8697,12 @@
       </p:grpSpPr>
       <p:sp>
         <p:nvSpPr>
-          <p:cNvPr id="2" name="Title 1"/>
+          <p:cNvPr id="4" name="Title 3"/>
           <p:cNvSpPr>
             <a:spLocks noGrp="1"/>
           </p:cNvSpPr>
           <p:nvPr>
-            <p:ph type="ctrTitle"/>
+            <p:ph type="title"/>
           </p:nvPr>
         </p:nvSpPr>
         <p:spPr/>
@@ -8623,309 +8718,36 @@
           </a:p>
         </p:txBody>
       </p:sp>
-      <p:pic>
-        <p:nvPicPr>
-          <p:cNvPr id="1026" name="Picture 2" descr="D:\Build\AnobiumTransparent.jpg"/>
-          <p:cNvPicPr>
-            <a:picLocks noChangeAspect="1" noChangeArrowheads="1"/>
-          </p:cNvPicPr>
-          <p:nvPr/>
-        </p:nvPicPr>
-        <p:blipFill>
-          <a:blip r:embed="rId2" cstate="print"/>
-          <a:srcRect/>
-          <a:stretch>
-            <a:fillRect/>
-          </a:stretch>
-        </p:blipFill>
-        <p:spPr bwMode="auto">
-          <a:xfrm>
-            <a:off x="5292080" y="911052"/>
-            <a:ext cx="1828859" cy="771550"/>
-          </a:xfrm>
-          <a:prstGeom prst="rect">
-            <a:avLst/>
-          </a:prstGeom>
-          <a:noFill/>
-        </p:spPr>
-      </p:pic>
-      <p:sp>
-        <p:nvSpPr>
-          <p:cNvPr id="4" name="AutoShape 2" descr="ICSP connection"/>
+      <p:sp>
+        <p:nvSpPr>
+          <p:cNvPr id="5" name="Text Placeholder 4"/>
           <p:cNvSpPr>
-            <a:spLocks noChangeAspect="1" noChangeArrowheads="1"/>
+            <a:spLocks noGrp="1"/>
           </p:cNvSpPr>
-          <p:nvPr/>
-        </p:nvSpPr>
-        <p:spPr bwMode="auto">
-          <a:xfrm>
-            <a:off x="155575" y="-144462"/>
-            <a:ext cx="304800" cy="304801"/>
-          </a:xfrm>
-          <a:prstGeom prst="rect">
-            <a:avLst/>
-          </a:prstGeom>
-          <a:noFill/>
-        </p:spPr>
-        <p:txBody>
-          <a:bodyPr vert="horz" wrap="square" lIns="85064" tIns="42531" rIns="85064" bIns="42531" numCol="1" anchor="t" anchorCtr="0" compatLnSpc="1">
-            <a:prstTxWarp prst="textNoShape">
-              <a:avLst/>
-            </a:prstTxWarp>
-          </a:bodyPr>
-          <a:lstStyle/>
-          <a:p>
-            <a:endParaRPr lang="en-GB" dirty="0"/>
-          </a:p>
-        </p:txBody>
-      </p:sp>
-      <p:sp>
-        <p:nvSpPr>
-          <p:cNvPr id="8" name="Text Placeholder 4"/>
-          <p:cNvSpPr txBox="1">
-            <a:spLocks/>
-          </p:cNvSpPr>
-          <p:nvPr/>
-        </p:nvSpPr>
-        <p:spPr>
-          <a:xfrm>
-            <a:off x="3805512" y="2931790"/>
-            <a:ext cx="3342861" cy="645300"/>
-          </a:xfrm>
-          <a:prstGeom prst="rect">
-            <a:avLst/>
-          </a:prstGeom>
-        </p:spPr>
-        <p:txBody>
-          <a:bodyPr vert="horz" lIns="68580" tIns="34290" rIns="68580" bIns="34290" rtlCol="0" anchor="t">
+          <p:nvPr>
+            <p:ph type="body" idx="1"/>
+          </p:nvPr>
+        </p:nvSpPr>
+        <p:spPr>
+          <a:xfrm>
+            <a:off x="4144617" y="2776047"/>
+            <a:ext cx="3163687" cy="645300"/>
+          </a:xfrm>
+        </p:spPr>
+        <p:txBody>
+          <a:bodyPr>
             <a:normAutofit/>
           </a:bodyPr>
-          <a:lstStyle>
-            <a:lvl1pPr marL="0" indent="0" algn="r" defTabSz="342900" rtl="0" eaLnBrk="1" latinLnBrk="0" hangingPunct="1">
-              <a:spcBef>
-                <a:spcPts val="750"/>
-              </a:spcBef>
-              <a:spcAft>
-                <a:spcPts val="0"/>
-              </a:spcAft>
-              <a:buClr>
-                <a:schemeClr val="accent1"/>
-              </a:buClr>
-              <a:buSzPct val="80000"/>
-              <a:buFont typeface="Wingdings 3" charset="2"/>
-              <a:buNone/>
-              <a:defRPr sz="1400" kern="1200">
-                <a:solidFill>
-                  <a:schemeClr val="tx1">
-                    <a:lumMod val="50000"/>
-                    <a:lumOff val="50000"/>
-                  </a:schemeClr>
-                </a:solidFill>
-                <a:latin typeface="+mn-lt"/>
-                <a:ea typeface="+mn-ea"/>
-                <a:cs typeface="+mn-cs"/>
-              </a:defRPr>
-            </a:lvl1pPr>
-            <a:lvl2pPr marL="342900" indent="0" algn="ctr" defTabSz="342900" rtl="0" eaLnBrk="1" latinLnBrk="0" hangingPunct="1">
-              <a:spcBef>
-                <a:spcPts val="750"/>
-              </a:spcBef>
-              <a:spcAft>
-                <a:spcPts val="0"/>
-              </a:spcAft>
-              <a:buClr>
-                <a:schemeClr val="accent1"/>
-              </a:buClr>
-              <a:buSzPct val="80000"/>
-              <a:buFont typeface="Wingdings 3" charset="2"/>
-              <a:buNone/>
-              <a:defRPr sz="1200" kern="1200">
-                <a:solidFill>
-                  <a:schemeClr val="tx1">
-                    <a:tint val="75000"/>
-                  </a:schemeClr>
-                </a:solidFill>
-                <a:latin typeface="+mn-lt"/>
-                <a:ea typeface="+mn-ea"/>
-                <a:cs typeface="+mn-cs"/>
-              </a:defRPr>
-            </a:lvl2pPr>
-            <a:lvl3pPr marL="685800" indent="0" algn="ctr" defTabSz="342900" rtl="0" eaLnBrk="1" latinLnBrk="0" hangingPunct="1">
-              <a:spcBef>
-                <a:spcPts val="750"/>
-              </a:spcBef>
-              <a:spcAft>
-                <a:spcPts val="0"/>
-              </a:spcAft>
-              <a:buClr>
-                <a:schemeClr val="accent1"/>
-              </a:buClr>
-              <a:buSzPct val="80000"/>
-              <a:buFont typeface="Wingdings 3" charset="2"/>
-              <a:buNone/>
-              <a:defRPr sz="1100" kern="1200">
-                <a:solidFill>
-                  <a:schemeClr val="tx1">
-                    <a:tint val="75000"/>
-                  </a:schemeClr>
-                </a:solidFill>
-                <a:latin typeface="+mn-lt"/>
-                <a:ea typeface="+mn-ea"/>
-                <a:cs typeface="+mn-cs"/>
-              </a:defRPr>
-            </a:lvl3pPr>
-            <a:lvl4pPr marL="1028700" indent="0" algn="ctr" defTabSz="342900" rtl="0" eaLnBrk="1" latinLnBrk="0" hangingPunct="1">
-              <a:spcBef>
-                <a:spcPts val="750"/>
-              </a:spcBef>
-              <a:spcAft>
-                <a:spcPts val="0"/>
-              </a:spcAft>
-              <a:buClr>
-                <a:schemeClr val="accent1"/>
-              </a:buClr>
-              <a:buSzPct val="80000"/>
-              <a:buFont typeface="Wingdings 3" charset="2"/>
-              <a:buNone/>
-              <a:defRPr sz="900" kern="1200">
-                <a:solidFill>
-                  <a:schemeClr val="tx1">
-                    <a:tint val="75000"/>
-                  </a:schemeClr>
-                </a:solidFill>
-                <a:latin typeface="+mn-lt"/>
-                <a:ea typeface="+mn-ea"/>
-                <a:cs typeface="+mn-cs"/>
-              </a:defRPr>
-            </a:lvl4pPr>
-            <a:lvl5pPr marL="1371600" indent="0" algn="ctr" defTabSz="342900" rtl="0" eaLnBrk="1" latinLnBrk="0" hangingPunct="1">
-              <a:spcBef>
-                <a:spcPts val="750"/>
-              </a:spcBef>
-              <a:spcAft>
-                <a:spcPts val="0"/>
-              </a:spcAft>
-              <a:buClr>
-                <a:schemeClr val="accent1"/>
-              </a:buClr>
-              <a:buSzPct val="80000"/>
-              <a:buFont typeface="Wingdings 3" charset="2"/>
-              <a:buNone/>
-              <a:defRPr sz="900" kern="1200">
-                <a:solidFill>
-                  <a:schemeClr val="tx1">
-                    <a:tint val="75000"/>
-                  </a:schemeClr>
-                </a:solidFill>
-                <a:latin typeface="+mn-lt"/>
-                <a:ea typeface="+mn-ea"/>
-                <a:cs typeface="+mn-cs"/>
-              </a:defRPr>
-            </a:lvl5pPr>
-            <a:lvl6pPr marL="1714500" indent="0" algn="ctr" defTabSz="342900" rtl="0" eaLnBrk="1" latinLnBrk="0" hangingPunct="1">
-              <a:spcBef>
-                <a:spcPts val="750"/>
-              </a:spcBef>
-              <a:spcAft>
-                <a:spcPts val="0"/>
-              </a:spcAft>
-              <a:buClr>
-                <a:schemeClr val="accent1"/>
-              </a:buClr>
-              <a:buSzPct val="80000"/>
-              <a:buFont typeface="Wingdings 3" charset="2"/>
-              <a:buNone/>
-              <a:defRPr sz="900" kern="1200">
-                <a:solidFill>
-                  <a:schemeClr val="tx1">
-                    <a:tint val="75000"/>
-                  </a:schemeClr>
-                </a:solidFill>
-                <a:latin typeface="+mn-lt"/>
-                <a:ea typeface="+mn-ea"/>
-                <a:cs typeface="+mn-cs"/>
-              </a:defRPr>
-            </a:lvl6pPr>
-            <a:lvl7pPr marL="2057400" indent="0" algn="ctr" defTabSz="342900" rtl="0" eaLnBrk="1" latinLnBrk="0" hangingPunct="1">
-              <a:spcBef>
-                <a:spcPts val="750"/>
-              </a:spcBef>
-              <a:spcAft>
-                <a:spcPts val="0"/>
-              </a:spcAft>
-              <a:buClr>
-                <a:schemeClr val="accent1"/>
-              </a:buClr>
-              <a:buSzPct val="80000"/>
-              <a:buFont typeface="Wingdings 3" charset="2"/>
-              <a:buNone/>
-              <a:defRPr sz="900" kern="1200">
-                <a:solidFill>
-                  <a:schemeClr val="tx1">
-                    <a:tint val="75000"/>
-                  </a:schemeClr>
-                </a:solidFill>
-                <a:latin typeface="+mn-lt"/>
-                <a:ea typeface="+mn-ea"/>
-                <a:cs typeface="+mn-cs"/>
-              </a:defRPr>
-            </a:lvl7pPr>
-            <a:lvl8pPr marL="2400300" indent="0" algn="ctr" defTabSz="342900" rtl="0" eaLnBrk="1" latinLnBrk="0" hangingPunct="1">
-              <a:spcBef>
-                <a:spcPts val="750"/>
-              </a:spcBef>
-              <a:spcAft>
-                <a:spcPts val="0"/>
-              </a:spcAft>
-              <a:buClr>
-                <a:schemeClr val="accent1"/>
-              </a:buClr>
-              <a:buSzPct val="80000"/>
-              <a:buFont typeface="Wingdings 3" charset="2"/>
-              <a:buNone/>
-              <a:defRPr sz="900" kern="1200">
-                <a:solidFill>
-                  <a:schemeClr val="tx1">
-                    <a:tint val="75000"/>
-                  </a:schemeClr>
-                </a:solidFill>
-                <a:latin typeface="+mn-lt"/>
-                <a:ea typeface="+mn-ea"/>
-                <a:cs typeface="+mn-cs"/>
-              </a:defRPr>
-            </a:lvl8pPr>
-            <a:lvl9pPr marL="2743200" indent="0" algn="ctr" defTabSz="342900" rtl="0" eaLnBrk="1" latinLnBrk="0" hangingPunct="1">
-              <a:spcBef>
-                <a:spcPts val="750"/>
-              </a:spcBef>
-              <a:spcAft>
-                <a:spcPts val="0"/>
-              </a:spcAft>
-              <a:buClr>
-                <a:schemeClr val="accent1"/>
-              </a:buClr>
-              <a:buSzPct val="80000"/>
-              <a:buFont typeface="Wingdings 3" charset="2"/>
-              <a:buNone/>
-              <a:defRPr sz="900" kern="1200">
-                <a:solidFill>
-                  <a:schemeClr val="tx1">
-                    <a:tint val="75000"/>
-                  </a:schemeClr>
-                </a:solidFill>
-                <a:latin typeface="+mn-lt"/>
-                <a:ea typeface="+mn-ea"/>
-                <a:cs typeface="+mn-cs"/>
-              </a:defRPr>
-            </a:lvl9pPr>
-          </a:lstStyle>
+          <a:lstStyle/>
           <a:p>
             <a:r>
               <a:rPr lang="en-GB" dirty="0" smtClean="0"/>
-              <a:t>PIC18FxxQ24</a:t>
-            </a:r>
-          </a:p>
-          <a:p>
+              <a:t>PIC16F175xx</a:t>
+            </a:r>
+            <a:endParaRPr lang="en-GB" dirty="0" smtClean="0"/>
+          </a:p>
+          <a:p>
+            <a:pPr marL="538163" indent="-538163"/>
             <a:r>
               <a:rPr lang="en-GB" dirty="0" smtClean="0"/>
               <a:t>Part 20 - Summary</a:t>
@@ -8934,65 +8756,16 @@
           </a:p>
         </p:txBody>
       </p:sp>
-      <p:pic>
-        <p:nvPicPr>
-          <p:cNvPr id="10" name="Picture 2" descr="PIC18F26Q24"/>
-          <p:cNvPicPr>
-            <a:picLocks noChangeAspect="1" noChangeArrowheads="1"/>
-          </p:cNvPicPr>
-          <p:nvPr/>
-        </p:nvPicPr>
-        <p:blipFill>
-          <a:blip r:embed="rId3" cstate="print">
-            <a:extLst>
-              <a:ext uri="{28A0092B-C50C-407E-A947-70E740481C1C}">
-                <a14:useLocalDpi xmlns:a14="http://schemas.microsoft.com/office/drawing/2010/main" val="0"/>
-              </a:ext>
-            </a:extLst>
-          </a:blip>
-          <a:srcRect/>
-          <a:stretch>
-            <a:fillRect/>
-          </a:stretch>
-        </p:blipFill>
-        <p:spPr bwMode="auto">
-          <a:xfrm>
-            <a:off x="1907705" y="4116163"/>
-            <a:ext cx="1280738" cy="922132"/>
-          </a:xfrm>
-          <a:prstGeom prst="rect">
-            <a:avLst/>
-          </a:prstGeom>
-          <a:noFill/>
-          <a:extLst>
-            <a:ext uri="{909E8E84-426E-40DD-AFC4-6F175D3DCCD1}">
-              <a14:hiddenFill xmlns:a14="http://schemas.microsoft.com/office/drawing/2010/main">
-                <a:solidFill>
-                  <a:srgbClr val="FFFFFF"/>
-                </a:solidFill>
-              </a14:hiddenFill>
-            </a:ext>
-          </a:extLst>
-        </p:spPr>
-      </p:pic>
     </p:spTree>
     <p:extLst>
       <p:ext uri="{BB962C8B-B14F-4D97-AF65-F5344CB8AC3E}">
-        <p14:creationId xmlns:p14="http://schemas.microsoft.com/office/powerpoint/2010/main" val="1215653422"/>
+        <p14:creationId xmlns:p14="http://schemas.microsoft.com/office/powerpoint/2010/main" val="3028968019"/>
       </p:ext>
     </p:extLst>
   </p:cSld>
   <p:clrMapOvr>
     <a:masterClrMapping/>
   </p:clrMapOvr>
-  <mc:AlternateContent xmlns:mc="http://schemas.openxmlformats.org/markup-compatibility/2006" xmlns:p14="http://schemas.microsoft.com/office/powerpoint/2010/main">
-    <mc:Choice Requires="p14">
-      <p:transition spd="slow" p14:dur="2000"/>
-    </mc:Choice>
-    <mc:Fallback xmlns="">
-      <p:transition spd="slow"/>
-    </mc:Fallback>
-  </mc:AlternateContent>
   <p:timing>
     <p:tnLst>
       <p:par>
@@ -9342,8 +9115,9 @@
           <a:p>
             <a:r>
               <a:rPr lang="en-GB" dirty="0" smtClean="0"/>
-              <a:t>PIC18FxxQ24</a:t>
-            </a:r>
+              <a:t>PIC16F175xx</a:t>
+            </a:r>
+            <a:endParaRPr lang="en-GB" dirty="0" smtClean="0"/>
           </a:p>
           <a:p>
             <a:r>
@@ -9356,7 +9130,7 @@
       </p:sp>
       <p:pic>
         <p:nvPicPr>
-          <p:cNvPr id="10" name="Picture 2" descr="PIC18F26Q24"/>
+          <p:cNvPr id="7" name="Picture 4" descr="PIC16F17556 | Microchip Technology"/>
           <p:cNvPicPr>
             <a:picLocks noChangeAspect="1" noChangeArrowheads="1"/>
           </p:cNvPicPr>
@@ -9377,8 +9151,8 @@
         </p:blipFill>
         <p:spPr bwMode="auto">
           <a:xfrm>
-            <a:off x="1907705" y="4116163"/>
-            <a:ext cx="1280738" cy="922132"/>
+            <a:off x="6756864" y="3922804"/>
+            <a:ext cx="2415427" cy="1178257"/>
           </a:xfrm>
           <a:prstGeom prst="rect">
             <a:avLst/>
@@ -9591,9 +9365,38 @@
           </a:p>
         </p:txBody>
       </p:sp>
+      <p:sp>
+        <p:nvSpPr>
+          <p:cNvPr id="11" name="Date Placeholder 3"/>
+          <p:cNvSpPr>
+            <a:spLocks noGrp="1"/>
+          </p:cNvSpPr>
+          <p:nvPr>
+            <p:ph type="dt" sz="half" idx="10"/>
+          </p:nvPr>
+        </p:nvSpPr>
+        <p:spPr>
+          <a:xfrm>
+            <a:off x="6113182" y="4384422"/>
+            <a:ext cx="354882" cy="305233"/>
+          </a:xfrm>
+        </p:spPr>
+        <p:txBody>
+          <a:bodyPr/>
+          <a:lstStyle/>
+          <a:p>
+            <a:fld id="{1E700B27-DE4C-4B9E-BB11-B9027034A00F}" type="datetimeFigureOut">
+              <a:rPr lang="en-US" smtClean="0"/>
+              <a:pPr/>
+              <a:t>1/26/2026</a:t>
+            </a:fld>
+            <a:endParaRPr lang="en-US" dirty="0"/>
+          </a:p>
+        </p:txBody>
+      </p:sp>
       <p:pic>
         <p:nvPicPr>
-          <p:cNvPr id="8" name="Picture 2" descr="PIC18F26Q24"/>
+          <p:cNvPr id="9" name="Picture 4" descr="PIC16F17556 | Microchip Technology"/>
           <p:cNvPicPr>
             <a:picLocks noChangeAspect="1" noChangeArrowheads="1"/>
           </p:cNvPicPr>
@@ -9614,8 +9417,8 @@
         </p:blipFill>
         <p:spPr bwMode="auto">
           <a:xfrm>
-            <a:off x="1907705" y="4116163"/>
-            <a:ext cx="1280738" cy="922132"/>
+            <a:off x="4499992" y="3922804"/>
+            <a:ext cx="2415427" cy="1178257"/>
           </a:xfrm>
           <a:prstGeom prst="rect">
             <a:avLst/>
@@ -9632,76 +9435,6 @@
           </a:extLst>
         </p:spPr>
       </p:pic>
-      <p:pic>
-        <p:nvPicPr>
-          <p:cNvPr id="10" name="Picture 8" descr="C:\Users\admin\OneDrive\Desktop\Picture1.jpg"/>
-          <p:cNvPicPr>
-            <a:picLocks noChangeAspect="1" noChangeArrowheads="1"/>
-          </p:cNvPicPr>
-          <p:nvPr/>
-        </p:nvPicPr>
-        <p:blipFill>
-          <a:blip r:embed="rId4">
-            <a:extLst>
-              <a:ext uri="{28A0092B-C50C-407E-A947-70E740481C1C}">
-                <a14:useLocalDpi xmlns:a14="http://schemas.microsoft.com/office/drawing/2010/main" val="0"/>
-              </a:ext>
-            </a:extLst>
-          </a:blip>
-          <a:srcRect/>
-          <a:stretch>
-            <a:fillRect/>
-          </a:stretch>
-        </p:blipFill>
-        <p:spPr bwMode="auto">
-          <a:xfrm>
-            <a:off x="3995936" y="3937587"/>
-            <a:ext cx="2320300" cy="1129258"/>
-          </a:xfrm>
-          <a:prstGeom prst="rect">
-            <a:avLst/>
-          </a:prstGeom>
-          <a:noFill/>
-          <a:extLst>
-            <a:ext uri="{909E8E84-426E-40DD-AFC4-6F175D3DCCD1}">
-              <a14:hiddenFill xmlns:a14="http://schemas.microsoft.com/office/drawing/2010/main">
-                <a:solidFill>
-                  <a:srgbClr val="FFFFFF"/>
-                </a:solidFill>
-              </a14:hiddenFill>
-            </a:ext>
-          </a:extLst>
-        </p:spPr>
-      </p:pic>
-      <p:sp>
-        <p:nvSpPr>
-          <p:cNvPr id="11" name="Date Placeholder 3"/>
-          <p:cNvSpPr>
-            <a:spLocks noGrp="1"/>
-          </p:cNvSpPr>
-          <p:nvPr>
-            <p:ph type="dt" sz="half" idx="10"/>
-          </p:nvPr>
-        </p:nvSpPr>
-        <p:spPr>
-          <a:xfrm>
-            <a:off x="6113182" y="4384422"/>
-            <a:ext cx="354882" cy="305233"/>
-          </a:xfrm>
-        </p:spPr>
-        <p:txBody>
-          <a:bodyPr/>
-          <a:lstStyle/>
-          <a:p>
-            <a:fld id="{1E700B27-DE4C-4B9E-BB11-B9027034A00F}" type="datetimeFigureOut">
-              <a:rPr lang="en-US" smtClean="0"/>
-              <a:pPr/>
-              <a:t>12/14/2024</a:t>
-            </a:fld>
-            <a:endParaRPr lang="en-US" dirty="0"/>
-          </a:p>
-        </p:txBody>
-      </p:sp>
     </p:spTree>
     <p:extLst>
       <p:ext uri="{BB962C8B-B14F-4D97-AF65-F5344CB8AC3E}">
@@ -9731,7 +9464,7 @@
 </file>
 
 <file path=ppt/slides/slide4.xml><?xml version="1.0" encoding="utf-8"?>
-<p:sld xmlns:a="http://schemas.openxmlformats.org/drawingml/2006/main" xmlns:r="http://schemas.openxmlformats.org/officeDocument/2006/relationships" xmlns:p="http://schemas.openxmlformats.org/presentationml/2006/main">
+<p:sld xmlns:a="http://schemas.openxmlformats.org/drawingml/2006/main" xmlns:r="http://schemas.openxmlformats.org/officeDocument/2006/relationships" xmlns:p="http://schemas.openxmlformats.org/presentationml/2006/main" show="0">
   <p:cSld>
     <p:spTree>
       <p:nvGrpSpPr>
@@ -9764,10 +9497,9 @@
           <a:p>
             <a:pPr algn="l"/>
             <a:r>
-              <a:rPr lang="en-GB" dirty="0" smtClean="0"/>
-              <a:t>PIC18FxxQ24</a:t>
-            </a:r>
-            <a:endParaRPr lang="en-GB" dirty="0"/>
+              <a:rPr lang="en-GB" dirty="0"/>
+              <a:t>PIC16F175xx</a:t>
+            </a:r>
           </a:p>
         </p:txBody>
       </p:sp>
@@ -9784,79 +9516,137 @@
         <p:spPr/>
         <p:txBody>
           <a:bodyPr>
-            <a:normAutofit fontScale="92500" lnSpcReduction="10000"/>
+            <a:normAutofit fontScale="92500"/>
           </a:bodyPr>
           <a:lstStyle/>
           <a:p>
             <a:r>
-              <a:rPr lang="en-GB" dirty="0" smtClean="0"/>
-              <a:t>PIC18-Q24 is a high performance PIC18 </a:t>
+              <a:rPr lang="en-GB"/>
+              <a:t>PIC16175xx  </a:t>
+            </a:r>
+            <a:r>
+              <a:rPr lang="en-GB" dirty="0"/>
+              <a:t>is a high performance PIC16</a:t>
             </a:r>
           </a:p>
           <a:p>
             <a:pPr lvl="1"/>
             <a:r>
-              <a:rPr lang="en-GB" dirty="0" smtClean="0"/>
-              <a:t>Digital and Analog peripherals </a:t>
+              <a:rPr lang="en-GB" b="1" dirty="0"/>
+              <a:t>Digital and </a:t>
+            </a:r>
+            <a:r>
+              <a:rPr lang="en-GB" b="1" dirty="0" err="1"/>
+              <a:t>analog</a:t>
+            </a:r>
+            <a:r>
+              <a:rPr lang="en-GB" b="1" dirty="0"/>
+              <a:t> peripherals</a:t>
+            </a:r>
+            <a:r>
+              <a:rPr lang="en-GB" dirty="0"/>
+              <a:t> for flexible embedded control</a:t>
             </a:r>
           </a:p>
           <a:p>
             <a:pPr lvl="1"/>
             <a:r>
-              <a:rPr lang="en-GB" dirty="0" smtClean="0"/>
+              <a:rPr lang="en-GB" b="1" dirty="0"/>
               <a:t>10-bit ADC</a:t>
             </a:r>
+            <a:r>
+              <a:rPr lang="en-GB" dirty="0"/>
+              <a:t> for accurate </a:t>
+            </a:r>
+            <a:r>
+              <a:rPr lang="en-GB" dirty="0" err="1"/>
+              <a:t>analog</a:t>
+            </a:r>
+            <a:r>
+              <a:rPr lang="en-GB" dirty="0"/>
+              <a:t> signal conversion</a:t>
+            </a:r>
           </a:p>
           <a:p>
             <a:pPr lvl="1"/>
             <a:r>
-              <a:rPr lang="en-GB" dirty="0" smtClean="0"/>
+              <a:rPr lang="en-GB" b="1" dirty="0"/>
               <a:t>Multiple communication interfaces</a:t>
             </a:r>
-          </a:p>
-          <a:p>
-            <a:pPr lvl="2"/>
-            <a:r>
-              <a:rPr lang="en-GB" dirty="0" smtClean="0"/>
-              <a:t>Serial, I2C and  SPI </a:t>
-            </a:r>
-          </a:p>
-          <a:p>
-            <a:pPr lvl="2"/>
-            <a:r>
-              <a:rPr lang="en-GB" dirty="0" smtClean="0"/>
-              <a:t>PWM – CCP/PWM and 16Bit</a:t>
+            <a:r>
+              <a:rPr lang="en-GB" dirty="0"/>
+              <a:t> including UART (serial), I²C, and SPI</a:t>
             </a:r>
           </a:p>
           <a:p>
             <a:pPr lvl="1"/>
             <a:r>
-              <a:rPr lang="en-GB" dirty="0" smtClean="0"/>
-              <a:t>Configurable Logic Cells</a:t>
+              <a:rPr lang="en-GB" b="1" dirty="0"/>
+              <a:t>PWM modules</a:t>
+            </a:r>
+            <a:r>
+              <a:rPr lang="en-GB" dirty="0"/>
+              <a:t> with CCP and 16-bit resolution for precise timing and motor control</a:t>
             </a:r>
           </a:p>
           <a:p>
             <a:pPr lvl="1"/>
             <a:r>
-              <a:rPr lang="en-GB" dirty="0" smtClean="0"/>
-              <a:t>Multi voltage domains</a:t>
-            </a:r>
-          </a:p>
-          <a:p>
-            <a:endParaRPr lang="en-GB" dirty="0" smtClean="0"/>
-          </a:p>
-          <a:p>
-            <a:r>
-              <a:rPr lang="en-GB" dirty="0" smtClean="0"/>
-              <a:t>The PIC18xxQ24 offers 28, 40 and 48-pin products in small footprint packages to support customers in a wide variety of applications. </a:t>
+              <a:rPr lang="en-GB" b="1" dirty="0"/>
+              <a:t>Configurable Logic Cells (CLCs)</a:t>
+            </a:r>
+            <a:r>
+              <a:rPr lang="en-GB" dirty="0"/>
+              <a:t> for custom hardware-level logic without external components</a:t>
+            </a:r>
+          </a:p>
+          <a:p>
+            <a:pPr lvl="1"/>
+            <a:r>
+              <a:rPr lang="en-GB" b="1" dirty="0"/>
+              <a:t>Integrated op amps</a:t>
+            </a:r>
+            <a:r>
+              <a:rPr lang="en-GB" dirty="0"/>
+              <a:t> for </a:t>
+            </a:r>
+            <a:r>
+              <a:rPr lang="en-GB" dirty="0" err="1"/>
+              <a:t>onboard</a:t>
+            </a:r>
+            <a:r>
+              <a:rPr lang="en-GB" dirty="0"/>
+              <a:t> </a:t>
+            </a:r>
+            <a:r>
+              <a:rPr lang="en-GB" dirty="0" err="1"/>
+              <a:t>analog</a:t>
+            </a:r>
+            <a:r>
+              <a:rPr lang="en-GB" dirty="0"/>
+              <a:t> signal conditioning and amplification</a:t>
             </a:r>
           </a:p>
           <a:p>
             <a:endParaRPr lang="en-GB" dirty="0"/>
           </a:p>
+          <a:p>
+            <a:r>
+              <a:rPr lang="en-GB" dirty="0"/>
+              <a:t>The PIC16175xx offers 14, 20, 28, 40 and 44-pin products in small footprint packages to support customers in a wide variety of applications. </a:t>
+            </a:r>
+          </a:p>
+          <a:p>
+            <a:endParaRPr lang="en-GB" dirty="0"/>
+          </a:p>
         </p:txBody>
       </p:sp>
     </p:spTree>
+    <p:extLst>
+      <p:ext uri="{BB962C8B-B14F-4D97-AF65-F5344CB8AC3E}">
+        <p14:creationId xmlns:p14="http://schemas.microsoft.com/office/powerpoint/2010/main" val="230254984"/>
+      </p:ext>
+    </p:extLst>
   </p:cSld>
   <p:clrMapOvr>
     <a:masterClrMapping/>
@@ -9906,12 +9696,7 @@
             <p:ph type="title"/>
           </p:nvPr>
         </p:nvSpPr>
-        <p:spPr>
-          <a:xfrm>
-            <a:off x="611560" y="260423"/>
-            <a:ext cx="8229601" cy="857250"/>
-          </a:xfrm>
-        </p:spPr>
+        <p:spPr/>
         <p:txBody>
           <a:bodyPr>
             <a:normAutofit/>
@@ -9928,489 +9713,292 @@
       </p:sp>
       <p:sp>
         <p:nvSpPr>
-          <p:cNvPr id="5" name="Content Placeholder 2"/>
-          <p:cNvSpPr txBox="1">
-            <a:spLocks/>
+          <p:cNvPr id="3" name="Content Placeholder 2"/>
+          <p:cNvSpPr>
+            <a:spLocks noGrp="1"/>
           </p:cNvSpPr>
-          <p:nvPr/>
-        </p:nvSpPr>
-        <p:spPr>
-          <a:xfrm>
-            <a:off x="467543" y="689048"/>
-            <a:ext cx="5760641" cy="4186957"/>
-          </a:xfrm>
-          <a:prstGeom prst="rect">
-            <a:avLst/>
-          </a:prstGeom>
+          <p:nvPr>
+            <p:ph idx="1"/>
+          </p:nvPr>
+        </p:nvSpPr>
+        <p:spPr>
+          <a:xfrm>
+            <a:off x="467544" y="987574"/>
+            <a:ext cx="6447501" cy="4111476"/>
+          </a:xfrm>
           <a:solidFill>
             <a:schemeClr val="bg1"/>
           </a:solidFill>
         </p:spPr>
         <p:txBody>
-          <a:bodyPr vert="horz" lIns="85064" tIns="42531" rIns="85064" bIns="42531" rtlCol="0">
+          <a:bodyPr>
             <a:noAutofit/>
           </a:bodyPr>
-          <a:lstStyle>
-            <a:lvl1pPr marL="318988" indent="-318988" algn="l" defTabSz="850636" rtl="0" eaLnBrk="1" latinLnBrk="0" hangingPunct="1">
+          <a:lstStyle/>
+          <a:p>
+            <a:pPr marL="180000" indent="-478483">
               <a:spcBef>
-                <a:spcPct val="20000"/>
+                <a:spcPts val="300"/>
               </a:spcBef>
-              <a:buFont typeface="Arial" pitchFamily="34" charset="0"/>
-              <a:buChar char="•"/>
-              <a:defRPr sz="3000" kern="1200">
-                <a:solidFill>
-                  <a:schemeClr val="tx1"/>
-                </a:solidFill>
-                <a:latin typeface="+mn-lt"/>
-                <a:ea typeface="+mn-ea"/>
-                <a:cs typeface="+mn-cs"/>
-              </a:defRPr>
-            </a:lvl1pPr>
-            <a:lvl2pPr marL="691142" indent="-265824" algn="l" defTabSz="850636" rtl="0" eaLnBrk="1" latinLnBrk="0" hangingPunct="1">
-              <a:spcBef>
-                <a:spcPct val="20000"/>
-              </a:spcBef>
-              <a:buFont typeface="Arial" pitchFamily="34" charset="0"/>
-              <a:buChar char="–"/>
-              <a:defRPr sz="2600" kern="1200">
-                <a:solidFill>
-                  <a:schemeClr val="tx1"/>
-                </a:solidFill>
-                <a:latin typeface="+mn-lt"/>
-                <a:ea typeface="+mn-ea"/>
-                <a:cs typeface="+mn-cs"/>
-              </a:defRPr>
-            </a:lvl2pPr>
-            <a:lvl3pPr marL="1063295" indent="-212659" algn="l" defTabSz="850636" rtl="0" eaLnBrk="1" latinLnBrk="0" hangingPunct="1">
-              <a:spcBef>
-                <a:spcPct val="20000"/>
-              </a:spcBef>
-              <a:buFont typeface="Arial" pitchFamily="34" charset="0"/>
-              <a:buChar char="•"/>
-              <a:defRPr sz="2200" kern="1200">
-                <a:solidFill>
-                  <a:schemeClr val="tx1"/>
-                </a:solidFill>
-                <a:latin typeface="+mn-lt"/>
-                <a:ea typeface="+mn-ea"/>
-                <a:cs typeface="+mn-cs"/>
-              </a:defRPr>
-            </a:lvl3pPr>
-            <a:lvl4pPr marL="1488614" indent="-212659" algn="l" defTabSz="850636" rtl="0" eaLnBrk="1" latinLnBrk="0" hangingPunct="1">
-              <a:spcBef>
-                <a:spcPct val="20000"/>
-              </a:spcBef>
-              <a:buFont typeface="Arial" pitchFamily="34" charset="0"/>
-              <a:buChar char="–"/>
-              <a:defRPr sz="1900" kern="1200">
-                <a:solidFill>
-                  <a:schemeClr val="tx1"/>
-                </a:solidFill>
-                <a:latin typeface="+mn-lt"/>
-                <a:ea typeface="+mn-ea"/>
-                <a:cs typeface="+mn-cs"/>
-              </a:defRPr>
-            </a:lvl4pPr>
-            <a:lvl5pPr marL="1913932" indent="-212659" algn="l" defTabSz="850636" rtl="0" eaLnBrk="1" latinLnBrk="0" hangingPunct="1">
-              <a:spcBef>
-                <a:spcPct val="20000"/>
-              </a:spcBef>
-              <a:buFont typeface="Arial" pitchFamily="34" charset="0"/>
-              <a:buChar char="»"/>
-              <a:defRPr sz="1900" kern="1200">
-                <a:solidFill>
-                  <a:schemeClr val="tx1"/>
-                </a:solidFill>
-                <a:latin typeface="+mn-lt"/>
-                <a:ea typeface="+mn-ea"/>
-                <a:cs typeface="+mn-cs"/>
-              </a:defRPr>
-            </a:lvl5pPr>
-            <a:lvl6pPr marL="2339250" indent="-212659" algn="l" defTabSz="850636" rtl="0" eaLnBrk="1" latinLnBrk="0" hangingPunct="1">
-              <a:spcBef>
-                <a:spcPct val="20000"/>
-              </a:spcBef>
-              <a:buFont typeface="Arial" pitchFamily="34" charset="0"/>
-              <a:buChar char="•"/>
-              <a:defRPr sz="1900" kern="1200">
-                <a:solidFill>
-                  <a:schemeClr val="tx1"/>
-                </a:solidFill>
-                <a:latin typeface="+mn-lt"/>
-                <a:ea typeface="+mn-ea"/>
-                <a:cs typeface="+mn-cs"/>
-              </a:defRPr>
-            </a:lvl6pPr>
-            <a:lvl7pPr marL="2764568" indent="-212659" algn="l" defTabSz="850636" rtl="0" eaLnBrk="1" latinLnBrk="0" hangingPunct="1">
-              <a:spcBef>
-                <a:spcPct val="20000"/>
-              </a:spcBef>
-              <a:buFont typeface="Arial" pitchFamily="34" charset="0"/>
-              <a:buChar char="•"/>
-              <a:defRPr sz="1900" kern="1200">
-                <a:solidFill>
-                  <a:schemeClr val="tx1"/>
-                </a:solidFill>
-                <a:latin typeface="+mn-lt"/>
-                <a:ea typeface="+mn-ea"/>
-                <a:cs typeface="+mn-cs"/>
-              </a:defRPr>
-            </a:lvl7pPr>
-            <a:lvl8pPr marL="3189887" indent="-212659" algn="l" defTabSz="850636" rtl="0" eaLnBrk="1" latinLnBrk="0" hangingPunct="1">
-              <a:spcBef>
-                <a:spcPct val="20000"/>
-              </a:spcBef>
-              <a:buFont typeface="Arial" pitchFamily="34" charset="0"/>
-              <a:buChar char="•"/>
-              <a:defRPr sz="1900" kern="1200">
-                <a:solidFill>
-                  <a:schemeClr val="tx1"/>
-                </a:solidFill>
-                <a:latin typeface="+mn-lt"/>
-                <a:ea typeface="+mn-ea"/>
-                <a:cs typeface="+mn-cs"/>
-              </a:defRPr>
-            </a:lvl8pPr>
-            <a:lvl9pPr marL="3615205" indent="-212659" algn="l" defTabSz="850636" rtl="0" eaLnBrk="1" latinLnBrk="0" hangingPunct="1">
-              <a:spcBef>
-                <a:spcPct val="20000"/>
-              </a:spcBef>
-              <a:buFont typeface="Arial" pitchFamily="34" charset="0"/>
-              <a:buChar char="•"/>
-              <a:defRPr sz="1900" kern="1200">
-                <a:solidFill>
-                  <a:schemeClr val="tx1"/>
-                </a:solidFill>
-                <a:latin typeface="+mn-lt"/>
-                <a:ea typeface="+mn-ea"/>
-                <a:cs typeface="+mn-cs"/>
-              </a:defRPr>
-            </a:lvl9pPr>
-          </a:lstStyle>
-          <a:p>
-            <a:pPr marL="478483" indent="-478483">
               <a:buFont typeface="+mj-lt"/>
               <a:buAutoNum type="arabicPeriod"/>
             </a:pPr>
             <a:r>
-              <a:rPr lang="en-GB" sz="1100" dirty="0" smtClean="0"/>
-              <a:t>Install the </a:t>
-            </a:r>
-            <a:r>
-              <a:rPr lang="en-GB" sz="1100" b="1" dirty="0" smtClean="0"/>
-              <a:t>hardware</a:t>
-            </a:r>
-            <a:r>
-              <a:rPr lang="en-GB" sz="1100" dirty="0" smtClean="0"/>
-              <a:t> and make the board work – three </a:t>
-            </a:r>
-            <a:r>
-              <a:rPr lang="en-GB" sz="1100" b="1" dirty="0" smtClean="0"/>
-              <a:t>LED</a:t>
-            </a:r>
-            <a:r>
-              <a:rPr lang="en-GB" sz="1100" dirty="0" smtClean="0"/>
-              <a:t> programs</a:t>
-            </a:r>
-          </a:p>
-          <a:p>
-            <a:pPr marL="478483" indent="-478483">
+              <a:rPr lang="en-GB" sz="1100" dirty="0"/>
+              <a:t>Install the hardware and make the board work – three LED programs</a:t>
+            </a:r>
+          </a:p>
+          <a:p>
+            <a:pPr marL="180000" indent="-478483">
+              <a:spcBef>
+                <a:spcPts val="300"/>
+              </a:spcBef>
               <a:buFont typeface="+mj-lt"/>
               <a:buAutoNum type="arabicPeriod"/>
             </a:pPr>
             <a:r>
-              <a:rPr lang="en-GB" sz="1100" dirty="0" smtClean="0"/>
-              <a:t>Make  four LEDs </a:t>
-            </a:r>
-            <a:r>
-              <a:rPr lang="en-GB" sz="1100" b="1" dirty="0" smtClean="0"/>
-              <a:t>flash</a:t>
-            </a:r>
-            <a:r>
-              <a:rPr lang="en-GB" sz="1100" dirty="0" smtClean="0"/>
-              <a:t> in a sequence</a:t>
-            </a:r>
-          </a:p>
-          <a:p>
-            <a:pPr marL="478483" indent="-478483">
+              <a:rPr lang="en-GB" sz="1100" dirty="0"/>
+              <a:t>Make  four LEDs flash in a sequence</a:t>
+            </a:r>
+          </a:p>
+          <a:p>
+            <a:pPr marL="180000" indent="-478483">
+              <a:spcBef>
+                <a:spcPts val="300"/>
+              </a:spcBef>
               <a:buFont typeface="+mj-lt"/>
               <a:buAutoNum type="arabicPeriod"/>
             </a:pPr>
             <a:r>
-              <a:rPr lang="en-GB" sz="1100" dirty="0" smtClean="0"/>
-              <a:t>Set the LEDs to represent the value of </a:t>
-            </a:r>
-            <a:r>
-              <a:rPr lang="en-GB" sz="1100" b="1" dirty="0" smtClean="0"/>
-              <a:t>ADC</a:t>
-            </a:r>
-          </a:p>
-          <a:p>
-            <a:pPr marL="478483" indent="-478483">
+              <a:rPr lang="en-GB" sz="1100" dirty="0"/>
+              <a:t>Set the LEDs to represent the value of ADC</a:t>
+            </a:r>
+          </a:p>
+          <a:p>
+            <a:pPr marL="180000" indent="-478483">
+              <a:spcBef>
+                <a:spcPts val="300"/>
+              </a:spcBef>
               <a:buFont typeface="+mj-lt"/>
               <a:buAutoNum type="arabicPeriod"/>
             </a:pPr>
             <a:r>
-              <a:rPr lang="en-GB" sz="1100" dirty="0" smtClean="0"/>
-              <a:t>Sequence the LEDs with a </a:t>
-            </a:r>
-            <a:r>
-              <a:rPr lang="en-GB" sz="1100" b="1" dirty="0" smtClean="0"/>
-              <a:t>delay</a:t>
-            </a:r>
-            <a:r>
-              <a:rPr lang="en-GB" sz="1100" dirty="0" smtClean="0"/>
-              <a:t> using the value of ADC</a:t>
-            </a:r>
-          </a:p>
-          <a:p>
-            <a:pPr marL="478483" indent="-478483">
+              <a:rPr lang="en-GB" sz="1100" dirty="0"/>
+              <a:t>Sequence the LEDs with a delay using the value of ADC</a:t>
+            </a:r>
+          </a:p>
+          <a:p>
+            <a:pPr marL="180000" indent="-478483">
+              <a:spcBef>
+                <a:spcPts val="300"/>
+              </a:spcBef>
               <a:buFont typeface="+mj-lt"/>
               <a:buAutoNum type="arabicPeriod"/>
             </a:pPr>
             <a:r>
-              <a:rPr lang="en-GB" sz="1100" dirty="0" smtClean="0"/>
-              <a:t>Using an </a:t>
-            </a:r>
-            <a:r>
-              <a:rPr lang="en-GB" sz="1100" b="1" dirty="0" smtClean="0"/>
-              <a:t>input</a:t>
-            </a:r>
-            <a:r>
-              <a:rPr lang="en-GB" sz="1100" dirty="0" smtClean="0"/>
-              <a:t> to set the state of the LEDs</a:t>
-            </a:r>
-          </a:p>
-          <a:p>
-            <a:pPr marL="478483" indent="-478483">
+              <a:rPr lang="en-GB" sz="1100" dirty="0"/>
+              <a:t>Using an input to set the state of the LEDs</a:t>
+            </a:r>
+          </a:p>
+          <a:p>
+            <a:pPr marL="180000" indent="-478483">
+              <a:spcBef>
+                <a:spcPts val="300"/>
+              </a:spcBef>
               <a:buFont typeface="+mj-lt"/>
               <a:buAutoNum type="arabicPeriod"/>
             </a:pPr>
             <a:r>
-              <a:rPr lang="en-GB" sz="1100" dirty="0" smtClean="0"/>
-              <a:t>Using the </a:t>
-            </a:r>
-            <a:r>
-              <a:rPr lang="en-GB" sz="1100" b="1" dirty="0" smtClean="0"/>
-              <a:t>reset</a:t>
-            </a:r>
-            <a:r>
-              <a:rPr lang="en-GB" sz="1100" dirty="0" smtClean="0"/>
-              <a:t> switch</a:t>
-            </a:r>
-          </a:p>
-          <a:p>
-            <a:pPr marL="478483" indent="-478483">
+              <a:rPr lang="en-GB" sz="1100" dirty="0"/>
+              <a:t>Using the reset switch</a:t>
+            </a:r>
+          </a:p>
+          <a:p>
+            <a:pPr marL="180000" indent="-478483">
+              <a:spcBef>
+                <a:spcPts val="300"/>
+              </a:spcBef>
               <a:buFont typeface="+mj-lt"/>
               <a:buAutoNum type="arabicPeriod"/>
             </a:pPr>
             <a:r>
-              <a:rPr lang="en-GB" sz="1100" dirty="0" smtClean="0"/>
+              <a:rPr lang="en-GB" sz="1100" dirty="0"/>
               <a:t>Using the switch, ADC – make the LEDs flash in a sequence with reverse</a:t>
             </a:r>
           </a:p>
           <a:p>
-            <a:pPr marL="478483" indent="-478483">
+            <a:pPr marL="180000" indent="-478483">
+              <a:spcBef>
+                <a:spcPts val="300"/>
+              </a:spcBef>
               <a:buFont typeface="+mj-lt"/>
               <a:buAutoNum type="arabicPeriod"/>
             </a:pPr>
             <a:r>
-              <a:rPr lang="en-GB" sz="1100" dirty="0" smtClean="0"/>
-              <a:t>Using the </a:t>
-            </a:r>
-            <a:r>
-              <a:rPr lang="en-GB" sz="1100" b="1" dirty="0" smtClean="0"/>
-              <a:t>serial</a:t>
-            </a:r>
-            <a:r>
-              <a:rPr lang="en-GB" sz="1100" dirty="0" smtClean="0"/>
-              <a:t> to display values</a:t>
-            </a:r>
-          </a:p>
-          <a:p>
-            <a:pPr marL="478483" indent="-478483">
+              <a:rPr lang="en-GB" sz="1100" dirty="0"/>
+              <a:t>Using the serial to display values</a:t>
+            </a:r>
+          </a:p>
+          <a:p>
+            <a:pPr marL="180000" indent="-478483">
+              <a:spcBef>
+                <a:spcPts val="300"/>
+              </a:spcBef>
               <a:buFont typeface="+mj-lt"/>
               <a:buAutoNum type="arabicPeriod"/>
             </a:pPr>
             <a:r>
+              <a:rPr lang="en-GB" sz="1100" dirty="0"/>
+              <a:t>Using the </a:t>
+            </a:r>
+            <a:r>
               <a:rPr lang="en-GB" sz="1100" dirty="0" smtClean="0"/>
-              <a:t>Using the </a:t>
-            </a:r>
-            <a:r>
-              <a:rPr lang="en-GB" sz="1100" b="1" dirty="0" smtClean="0"/>
-              <a:t>timer0</a:t>
-            </a:r>
-            <a:r>
-              <a:rPr lang="en-GB" sz="1100" dirty="0" smtClean="0"/>
-              <a:t> overflow, </a:t>
-            </a:r>
-            <a:r>
-              <a:rPr lang="en-GB" sz="1100" b="1" dirty="0" smtClean="0"/>
-              <a:t>8bit timer</a:t>
-            </a:r>
-            <a:r>
-              <a:rPr lang="en-GB" sz="1100" dirty="0" smtClean="0"/>
-              <a:t>, </a:t>
-            </a:r>
-            <a:r>
-              <a:rPr lang="en-GB" sz="1100" b="1" dirty="0" smtClean="0"/>
-              <a:t>16bit timer</a:t>
-            </a:r>
-            <a:r>
-              <a:rPr lang="en-GB" sz="1100" dirty="0" smtClean="0"/>
-              <a:t> to flash the LEDs</a:t>
-            </a:r>
-          </a:p>
-          <a:p>
-            <a:pPr marL="478483" indent="-478483">
+              <a:t>timer0 </a:t>
+            </a:r>
+            <a:r>
+              <a:rPr lang="en-GB" sz="1100" dirty="0"/>
+              <a:t>overflow, 8bit timer, 16bit timer to flash the LEDs</a:t>
+            </a:r>
+          </a:p>
+          <a:p>
+            <a:pPr marL="180000" indent="-478483">
+              <a:spcBef>
+                <a:spcPts val="300"/>
+              </a:spcBef>
               <a:buFont typeface="+mj-lt"/>
               <a:buAutoNum type="arabicPeriod"/>
             </a:pPr>
             <a:r>
-              <a:rPr lang="en-GB" sz="1100" dirty="0" smtClean="0"/>
-              <a:t>Using </a:t>
-            </a:r>
-            <a:r>
-              <a:rPr lang="en-GB" sz="1100" b="1" dirty="0" err="1" smtClean="0"/>
-              <a:t>EEProm</a:t>
-            </a:r>
-            <a:r>
-              <a:rPr lang="en-GB" sz="1100" dirty="0" smtClean="0"/>
-              <a:t> – showing values on the serial terminal, and more constants insights</a:t>
-            </a:r>
-          </a:p>
-          <a:p>
-            <a:pPr marL="478483" indent="-478483">
+              <a:rPr lang="en-GB" sz="1100" dirty="0"/>
+              <a:t>Using EEProm – showing values on the serial terminal, and more constants insights</a:t>
+            </a:r>
+          </a:p>
+          <a:p>
+            <a:pPr marL="180000" indent="-478483">
+              <a:spcBef>
+                <a:spcPts val="300"/>
+              </a:spcBef>
               <a:buFont typeface="+mj-lt"/>
               <a:buAutoNum type="arabicPeriod"/>
             </a:pPr>
             <a:r>
-              <a:rPr lang="en-GB" sz="1100" dirty="0" smtClean="0"/>
-              <a:t>Using </a:t>
-            </a:r>
-            <a:r>
-              <a:rPr lang="en-GB" sz="1100" b="1" dirty="0" smtClean="0"/>
-              <a:t>I2C</a:t>
-            </a:r>
-            <a:r>
-              <a:rPr lang="en-GB" sz="1100" dirty="0" smtClean="0"/>
-              <a:t> with serial to discover I2C devices</a:t>
-            </a:r>
-          </a:p>
-          <a:p>
-            <a:pPr marL="478483" indent="-478483">
+              <a:rPr lang="en-GB" sz="1100" dirty="0"/>
+              <a:t>Using I2C with serial to discover I2C devices</a:t>
+            </a:r>
+          </a:p>
+          <a:p>
+            <a:pPr marL="180000" indent="-478483">
+              <a:spcBef>
+                <a:spcPts val="300"/>
+              </a:spcBef>
               <a:buFont typeface="+mj-lt"/>
               <a:buAutoNum type="arabicPeriod"/>
             </a:pPr>
             <a:r>
+              <a:rPr lang="en-GB" sz="1100" dirty="0"/>
+              <a:t>Using </a:t>
+            </a:r>
+            <a:r>
               <a:rPr lang="en-GB" sz="1100" dirty="0" smtClean="0"/>
-              <a:t>Using an I2C GCLD display</a:t>
-            </a:r>
-          </a:p>
-          <a:p>
-            <a:pPr marL="478483" indent="-478483">
+              <a:t>I2C </a:t>
+            </a:r>
+            <a:r>
+              <a:rPr lang="en-GB" sz="1100" dirty="0"/>
+              <a:t>GCLD </a:t>
+            </a:r>
+            <a:r>
+              <a:rPr lang="en-GB" sz="1100" dirty="0" smtClean="0"/>
+              <a:t>display solutions</a:t>
+            </a:r>
+            <a:endParaRPr lang="en-GB" sz="1100" dirty="0"/>
+          </a:p>
+          <a:p>
+            <a:pPr marL="180000" indent="-478483">
+              <a:spcBef>
+                <a:spcPts val="300"/>
+              </a:spcBef>
               <a:buFont typeface="+mj-lt"/>
               <a:buAutoNum type="arabicPeriod"/>
             </a:pPr>
             <a:r>
+              <a:rPr lang="en-GB" sz="1100" dirty="0"/>
+              <a:t>Using a </a:t>
+            </a:r>
+            <a:r>
               <a:rPr lang="en-GB" sz="1100" dirty="0" smtClean="0"/>
-              <a:t>Using a </a:t>
-            </a:r>
-            <a:r>
-              <a:rPr lang="en-GB" sz="1100" b="1" dirty="0" smtClean="0"/>
-              <a:t>SPI</a:t>
-            </a:r>
-            <a:r>
-              <a:rPr lang="en-GB" sz="1100" dirty="0" smtClean="0"/>
-              <a:t> GCLD display</a:t>
-            </a:r>
-          </a:p>
-          <a:p>
-            <a:pPr marL="478483" indent="-478483">
+              <a:t>SPI GLCD  display solutions</a:t>
+            </a:r>
+            <a:endParaRPr lang="en-GB" sz="1100" dirty="0"/>
+          </a:p>
+          <a:p>
+            <a:pPr marL="180000" indent="-478483">
+              <a:spcBef>
+                <a:spcPts val="300"/>
+              </a:spcBef>
               <a:buFont typeface="+mj-lt"/>
               <a:buAutoNum type="arabicPeriod"/>
             </a:pPr>
             <a:r>
+              <a:rPr lang="en-GB" sz="1100" dirty="0"/>
+              <a:t>Using PWM, </a:t>
+            </a:r>
+            <a:r>
               <a:rPr lang="en-GB" sz="1100" dirty="0" smtClean="0"/>
-              <a:t>Using </a:t>
-            </a:r>
-            <a:r>
-              <a:rPr lang="en-GB" sz="1100" b="1" dirty="0" smtClean="0"/>
-              <a:t>PWM</a:t>
-            </a:r>
-            <a:r>
-              <a:rPr lang="en-GB" sz="1100" dirty="0" smtClean="0"/>
-              <a:t>, 7  ways,  to dim the LEDS</a:t>
-            </a:r>
-          </a:p>
-          <a:p>
-            <a:pPr marL="478483" indent="-478483">
+              <a:t>6  </a:t>
+            </a:r>
+            <a:r>
+              <a:rPr lang="en-GB" sz="1100" dirty="0"/>
+              <a:t>ways,  to dim the LEDS</a:t>
+            </a:r>
+          </a:p>
+          <a:p>
+            <a:pPr marL="180000" indent="-478483">
+              <a:spcBef>
+                <a:spcPts val="300"/>
+              </a:spcBef>
               <a:buFont typeface="+mj-lt"/>
               <a:buAutoNum type="arabicPeriod"/>
             </a:pPr>
             <a:r>
-              <a:rPr lang="en-GB" sz="1100" dirty="0" smtClean="0"/>
-              <a:t>Using an external </a:t>
-            </a:r>
-            <a:r>
-              <a:rPr lang="en-GB" sz="1100" b="1" dirty="0" smtClean="0"/>
-              <a:t>interrupt</a:t>
-            </a:r>
-            <a:r>
-              <a:rPr lang="en-GB" sz="1100" dirty="0" smtClean="0"/>
-              <a:t> to control an LED</a:t>
-            </a:r>
-          </a:p>
-          <a:p>
-            <a:pPr marL="478483" indent="-478483">
+              <a:rPr lang="en-GB" sz="1100" dirty="0"/>
+              <a:t>Using an external interrupt to control an LED</a:t>
+            </a:r>
+          </a:p>
+          <a:p>
+            <a:pPr marL="180000" indent="-478483">
+              <a:spcBef>
+                <a:spcPts val="300"/>
+              </a:spcBef>
               <a:buFont typeface="+mj-lt"/>
               <a:buAutoNum type="arabicPeriod"/>
             </a:pPr>
             <a:r>
               <a:rPr lang="en-GB" sz="1100" dirty="0"/>
-              <a:t>Using </a:t>
-            </a:r>
-            <a:r>
-              <a:rPr lang="en-GB" sz="1100" b="1" dirty="0"/>
-              <a:t>storage</a:t>
-            </a:r>
-            <a:r>
-              <a:rPr lang="en-GB" sz="1100" dirty="0"/>
-              <a:t> within the </a:t>
+              <a:t>Using storage within the </a:t>
             </a:r>
             <a:r>
               <a:rPr lang="en-GB" sz="1100" dirty="0" smtClean="0"/>
-              <a:t>chip </a:t>
-            </a:r>
-            <a:r>
-              <a:rPr lang="en-GB" sz="1100" dirty="0"/>
-              <a:t>– </a:t>
-            </a:r>
-            <a:r>
-              <a:rPr lang="en-GB" sz="1100" dirty="0" err="1"/>
-              <a:t>Progmem</a:t>
-            </a:r>
-            <a:r>
-              <a:rPr lang="en-GB" sz="1100" dirty="0"/>
-              <a:t>, SAF memory, EEPROM and DATA blocks</a:t>
-            </a:r>
-          </a:p>
-          <a:p>
-            <a:pPr marL="478483" indent="-478483">
+              <a:t>chip</a:t>
+            </a:r>
+          </a:p>
+          <a:p>
+            <a:pPr marL="180000" indent="-478483">
+              <a:spcBef>
+                <a:spcPts val="300"/>
+              </a:spcBef>
               <a:buFont typeface="+mj-lt"/>
               <a:buAutoNum type="arabicPeriod"/>
             </a:pPr>
             <a:r>
-              <a:rPr lang="en-GB" sz="1100" dirty="0" smtClean="0"/>
-              <a:t>Using </a:t>
-            </a:r>
-            <a:r>
-              <a:rPr lang="en-GB" sz="1100" b="1" dirty="0" smtClean="0"/>
-              <a:t>CLC</a:t>
-            </a:r>
-          </a:p>
-          <a:p>
-            <a:pPr marL="478483" indent="-478483">
+              <a:rPr lang="en-GB" sz="1100" dirty="0"/>
+              <a:t>Using CLC</a:t>
+            </a:r>
+          </a:p>
+          <a:p>
+            <a:pPr marL="180000" indent="-478483">
+              <a:spcBef>
+                <a:spcPts val="300"/>
+              </a:spcBef>
               <a:buFont typeface="+mj-lt"/>
               <a:buAutoNum type="arabicPeriod"/>
             </a:pPr>
@@ -10419,40 +10007,46 @@
               <a:t>The </a:t>
             </a:r>
             <a:r>
-              <a:rPr lang="en-GB" sz="1100" b="1" dirty="0" smtClean="0"/>
+              <a:rPr lang="en-GB" sz="1100" dirty="0"/>
               <a:t>GCBASIC tool chain</a:t>
             </a:r>
           </a:p>
           <a:p>
-            <a:pPr marL="478483" indent="-478483">
+            <a:pPr marL="180000" indent="-478483">
+              <a:spcBef>
+                <a:spcPts val="300"/>
+              </a:spcBef>
               <a:buFont typeface="+mj-lt"/>
               <a:buAutoNum type="arabicPeriod"/>
             </a:pPr>
             <a:r>
-              <a:rPr lang="en-GB" sz="1100" dirty="0" smtClean="0"/>
-              <a:t>Assembly , alternatives assemblers and </a:t>
-            </a:r>
-            <a:r>
-              <a:rPr lang="en-GB" sz="1100" b="1" dirty="0" smtClean="0"/>
-              <a:t>MPLAB-X</a:t>
-            </a:r>
-          </a:p>
-          <a:p>
-            <a:pPr marL="478483" indent="-478483">
+              <a:rPr lang="en-GB" sz="1100" dirty="0"/>
+              <a:t>Assembly , alternatives assemblers and Debugging</a:t>
+            </a:r>
+            <a:endParaRPr lang="en-GB" sz="1100" dirty="0" smtClean="0"/>
+          </a:p>
+          <a:p>
+            <a:pPr marL="180000" indent="-478483">
+              <a:spcBef>
+                <a:spcPts val="300"/>
+              </a:spcBef>
               <a:buFont typeface="+mj-lt"/>
               <a:buAutoNum type="arabicPeriod"/>
             </a:pPr>
             <a:r>
-              <a:rPr lang="en-GB" sz="1100" dirty="0" smtClean="0"/>
+              <a:rPr lang="en-GB" sz="1100" b="1" dirty="0" smtClean="0"/>
               <a:t>Summary</a:t>
             </a:r>
           </a:p>
           <a:p>
-            <a:pPr marL="478483" indent="-478483">
+            <a:pPr marL="180000" indent="-478483">
+              <a:spcBef>
+                <a:spcPts val="300"/>
+              </a:spcBef>
               <a:buFont typeface="+mj-lt"/>
               <a:buAutoNum type="arabicPeriod"/>
             </a:pPr>
-            <a:endParaRPr lang="en-GB" sz="900" dirty="0" smtClean="0">
+            <a:endParaRPr lang="en-GB" sz="400" dirty="0" smtClean="0">
               <a:solidFill>
                 <a:schemeClr val="bg1">
                   <a:lumMod val="75000"/>
@@ -10461,53 +10055,70 @@
             </a:endParaRPr>
           </a:p>
           <a:p>
-            <a:pPr marL="478483" indent="-478483">
-              <a:buFont typeface="Arial" pitchFamily="34" charset="0"/>
+            <a:pPr marL="180000" indent="-478483">
+              <a:spcBef>
+                <a:spcPts val="300"/>
+              </a:spcBef>
               <a:buNone/>
             </a:pPr>
-            <a:endParaRPr lang="en-GB" sz="1100" dirty="0" smtClean="0"/>
-          </a:p>
-          <a:p>
-            <a:pPr marL="478483" indent="-478483">
+            <a:endParaRPr lang="en-GB" sz="700" dirty="0" smtClean="0"/>
+          </a:p>
+          <a:p>
+            <a:pPr marL="180000" indent="-478483">
+              <a:spcBef>
+                <a:spcPts val="300"/>
+              </a:spcBef>
               <a:buFont typeface="+mj-lt"/>
               <a:buAutoNum type="arabicPeriod"/>
             </a:pPr>
-            <a:endParaRPr lang="en-GB" sz="1100" dirty="0" smtClean="0"/>
-          </a:p>
-          <a:p>
-            <a:pPr marL="478483" indent="-478483">
+            <a:endParaRPr lang="en-GB" sz="700" dirty="0" smtClean="0"/>
+          </a:p>
+          <a:p>
+            <a:pPr marL="180000" indent="-478483">
+              <a:spcBef>
+                <a:spcPts val="300"/>
+              </a:spcBef>
               <a:buFont typeface="+mj-lt"/>
               <a:buAutoNum type="arabicPeriod"/>
             </a:pPr>
-            <a:endParaRPr lang="en-GB" sz="1000" dirty="0" smtClean="0"/>
-          </a:p>
-          <a:p>
-            <a:pPr marL="478483" indent="-478483">
+            <a:endParaRPr lang="en-GB" sz="500" dirty="0" smtClean="0"/>
+          </a:p>
+          <a:p>
+            <a:pPr marL="180000" indent="-478483">
+              <a:spcBef>
+                <a:spcPts val="300"/>
+              </a:spcBef>
               <a:buFont typeface="+mj-lt"/>
               <a:buAutoNum type="arabicPeriod"/>
             </a:pPr>
-            <a:endParaRPr lang="en-GB" sz="1000" dirty="0" smtClean="0"/>
-          </a:p>
-          <a:p>
-            <a:pPr marL="478483" indent="-478483">
+            <a:endParaRPr lang="en-GB" sz="500" dirty="0" smtClean="0"/>
+          </a:p>
+          <a:p>
+            <a:pPr marL="180000" indent="-478483">
+              <a:spcBef>
+                <a:spcPts val="300"/>
+              </a:spcBef>
               <a:buFont typeface="+mj-lt"/>
               <a:buAutoNum type="arabicPeriod"/>
             </a:pPr>
-            <a:endParaRPr lang="en-GB" sz="1000" dirty="0" smtClean="0"/>
-          </a:p>
-          <a:p>
-            <a:pPr marL="478483" indent="-478483">
+            <a:endParaRPr lang="en-GB" sz="500" dirty="0" smtClean="0"/>
+          </a:p>
+          <a:p>
+            <a:pPr marL="180000" indent="-478483">
+              <a:spcBef>
+                <a:spcPts val="300"/>
+              </a:spcBef>
               <a:buFont typeface="+mj-lt"/>
               <a:buAutoNum type="arabicPeriod"/>
             </a:pPr>
-            <a:endParaRPr lang="en-GB" sz="1000" dirty="0"/>
+            <a:endParaRPr lang="en-GB" sz="500" dirty="0"/>
           </a:p>
         </p:txBody>
       </p:sp>
     </p:spTree>
     <p:extLst>
       <p:ext uri="{BB962C8B-B14F-4D97-AF65-F5344CB8AC3E}">
-        <p14:creationId xmlns:p14="http://schemas.microsoft.com/office/powerpoint/2010/main" val="3948412390"/>
+        <p14:creationId xmlns:p14="http://schemas.microsoft.com/office/powerpoint/2010/main" val="4128574289"/>
       </p:ext>
     </p:extLst>
   </p:cSld>
@@ -10516,10 +10127,10 @@
   </p:clrMapOvr>
   <mc:AlternateContent xmlns:mc="http://schemas.openxmlformats.org/markup-compatibility/2006" xmlns:p14="http://schemas.microsoft.com/office/powerpoint/2010/main">
     <mc:Choice Requires="p14">
-      <p:transition spd="slow" p14:dur="2000" advClick="0"/>
+      <p:transition spd="slow" p14:dur="2000"/>
     </mc:Choice>
     <mc:Fallback xmlns="">
-      <p:transition spd="slow" advClick="0"/>
+      <p:transition spd="slow"/>
     </mc:Fallback>
   </mc:AlternateContent>
   <p:timing>
@@ -10609,7 +10220,7 @@
         </p:nvSpPr>
         <p:spPr>
           <a:xfrm>
-            <a:off x="2" y="1"/>
+            <a:off x="0" y="339502"/>
             <a:ext cx="8229601" cy="857250"/>
           </a:xfrm>
         </p:spPr>
@@ -10634,7 +10245,7 @@
         </p:nvSpPr>
         <p:spPr>
           <a:xfrm>
-            <a:off x="4139952" y="1491632"/>
+            <a:off x="3779912" y="2043487"/>
             <a:ext cx="3960440" cy="2178773"/>
           </a:xfrm>
           <a:prstGeom prst="rect">
@@ -10659,7 +10270,15 @@
           <a:p>
             <a:r>
               <a:rPr lang="en-GB" dirty="0" smtClean="0"/>
-              <a:t>GCBASIC now supports the 18FxxQ20 chip family</a:t>
+              <a:t>GCBASIC now supports the </a:t>
+            </a:r>
+            <a:r>
+              <a:rPr lang="en-GB" dirty="0" smtClean="0"/>
+              <a:t>16F175xx chip </a:t>
+            </a:r>
+            <a:r>
+              <a:rPr lang="en-GB" dirty="0" smtClean="0"/>
+              <a:t>family</a:t>
             </a:r>
           </a:p>
           <a:p>
@@ -12798,55 +12417,746 @@
             </a:pPr>
             <a:endParaRPr lang="en-GB" sz="800" dirty="0" smtClean="0"/>
           </a:p>
-          <a:p>
-            <a:pPr marL="829354" lvl="1" indent="-457200">
-              <a:buFont typeface="+mj-lt"/>
-              <a:buAutoNum type="arabicPeriod"/>
-            </a:pPr>
-            <a:r>
-              <a:rPr lang="en-GB" sz="800" dirty="0"/>
-              <a:t>Supported</a:t>
-            </a:r>
-            <a:endParaRPr lang="en-GB" sz="800" dirty="0" smtClean="0"/>
-          </a:p>
-        </p:txBody>
-      </p:sp>
-      <p:cxnSp>
-        <p:nvCxnSpPr>
-          <p:cNvPr id="6" name="Straight Arrow Connector 5"/>
-          <p:cNvCxnSpPr/>
+        </p:txBody>
+      </p:sp>
+      <p:sp>
+        <p:nvSpPr>
+          <p:cNvPr id="4" name="Rectangle 3"/>
+          <p:cNvSpPr/>
           <p:nvPr/>
-        </p:nvCxnSpPr>
-        <p:spPr>
-          <a:xfrm>
-            <a:off x="6228184" y="5452070"/>
-            <a:ext cx="914400" cy="914400"/>
-          </a:xfrm>
-          <a:prstGeom prst="straightConnector1">
+        </p:nvSpPr>
+        <p:spPr>
+          <a:xfrm>
+            <a:off x="827584" y="1707655"/>
+            <a:ext cx="288032" cy="1152128"/>
+          </a:xfrm>
+          <a:prstGeom prst="rect">
             <a:avLst/>
           </a:prstGeom>
-          <a:ln>
-            <a:tailEnd type="arrow"/>
-          </a:ln>
+          <a:solidFill>
+            <a:srgbClr val="00B050"/>
+          </a:solidFill>
         </p:spPr>
         <p:style>
-          <a:lnRef idx="1">
-            <a:schemeClr val="accent1"/>
+          <a:lnRef idx="2">
+            <a:schemeClr val="accent1">
+              <a:shade val="50000"/>
+            </a:schemeClr>
           </a:lnRef>
-          <a:fillRef idx="0">
+          <a:fillRef idx="1">
             <a:schemeClr val="accent1"/>
           </a:fillRef>
           <a:effectRef idx="0">
             <a:schemeClr val="accent1"/>
           </a:effectRef>
           <a:fontRef idx="minor">
-            <a:schemeClr val="tx1"/>
+            <a:schemeClr val="lt1"/>
           </a:fontRef>
         </p:style>
-      </p:cxnSp>
+        <p:txBody>
+          <a:bodyPr rtlCol="0" anchor="ctr"/>
+          <a:lstStyle/>
+          <a:p>
+            <a:pPr algn="ctr"/>
+            <a:endParaRPr lang="en-GB"/>
+          </a:p>
+        </p:txBody>
+      </p:sp>
+      <p:sp>
+        <p:nvSpPr>
+          <p:cNvPr id="8" name="Rectangle 7"/>
+          <p:cNvSpPr/>
+          <p:nvPr/>
+        </p:nvSpPr>
+        <p:spPr>
+          <a:xfrm>
+            <a:off x="827584" y="3115948"/>
+            <a:ext cx="288032" cy="175881"/>
+          </a:xfrm>
+          <a:prstGeom prst="rect">
+            <a:avLst/>
+          </a:prstGeom>
+          <a:solidFill>
+            <a:srgbClr val="00B050"/>
+          </a:solidFill>
+        </p:spPr>
+        <p:style>
+          <a:lnRef idx="2">
+            <a:schemeClr val="accent1">
+              <a:shade val="50000"/>
+            </a:schemeClr>
+          </a:lnRef>
+          <a:fillRef idx="1">
+            <a:schemeClr val="accent1"/>
+          </a:fillRef>
+          <a:effectRef idx="0">
+            <a:schemeClr val="accent1"/>
+          </a:effectRef>
+          <a:fontRef idx="minor">
+            <a:schemeClr val="lt1"/>
+          </a:fontRef>
+        </p:style>
+        <p:txBody>
+          <a:bodyPr rtlCol="0" anchor="ctr"/>
+          <a:lstStyle/>
+          <a:p>
+            <a:pPr algn="ctr"/>
+            <a:endParaRPr lang="en-GB"/>
+          </a:p>
+        </p:txBody>
+      </p:sp>
+      <p:sp>
+        <p:nvSpPr>
+          <p:cNvPr id="9" name="Rectangle 8"/>
+          <p:cNvSpPr/>
+          <p:nvPr/>
+        </p:nvSpPr>
+        <p:spPr>
+          <a:xfrm>
+            <a:off x="827585" y="3435847"/>
+            <a:ext cx="288032" cy="144016"/>
+          </a:xfrm>
+          <a:prstGeom prst="rect">
+            <a:avLst/>
+          </a:prstGeom>
+          <a:solidFill>
+            <a:srgbClr val="00B050"/>
+          </a:solidFill>
+        </p:spPr>
+        <p:style>
+          <a:lnRef idx="2">
+            <a:schemeClr val="accent1">
+              <a:shade val="50000"/>
+            </a:schemeClr>
+          </a:lnRef>
+          <a:fillRef idx="1">
+            <a:schemeClr val="accent1"/>
+          </a:fillRef>
+          <a:effectRef idx="0">
+            <a:schemeClr val="accent1"/>
+          </a:effectRef>
+          <a:fontRef idx="minor">
+            <a:schemeClr val="lt1"/>
+          </a:fontRef>
+        </p:style>
+        <p:txBody>
+          <a:bodyPr rtlCol="0" anchor="ctr"/>
+          <a:lstStyle/>
+          <a:p>
+            <a:pPr algn="ctr"/>
+            <a:endParaRPr lang="en-GB"/>
+          </a:p>
+        </p:txBody>
+      </p:sp>
+      <p:sp>
+        <p:nvSpPr>
+          <p:cNvPr id="10" name="Rectangle 9"/>
+          <p:cNvSpPr/>
+          <p:nvPr/>
+        </p:nvSpPr>
+        <p:spPr>
+          <a:xfrm>
+            <a:off x="827585" y="3837526"/>
+            <a:ext cx="288032" cy="462416"/>
+          </a:xfrm>
+          <a:prstGeom prst="rect">
+            <a:avLst/>
+          </a:prstGeom>
+          <a:solidFill>
+            <a:srgbClr val="00B050"/>
+          </a:solidFill>
+        </p:spPr>
+        <p:style>
+          <a:lnRef idx="2">
+            <a:schemeClr val="accent1">
+              <a:shade val="50000"/>
+            </a:schemeClr>
+          </a:lnRef>
+          <a:fillRef idx="1">
+            <a:schemeClr val="accent1"/>
+          </a:fillRef>
+          <a:effectRef idx="0">
+            <a:schemeClr val="accent1"/>
+          </a:effectRef>
+          <a:fontRef idx="minor">
+            <a:schemeClr val="lt1"/>
+          </a:fontRef>
+        </p:style>
+        <p:txBody>
+          <a:bodyPr rtlCol="0" anchor="ctr"/>
+          <a:lstStyle/>
+          <a:p>
+            <a:pPr algn="ctr"/>
+            <a:endParaRPr lang="en-GB"/>
+          </a:p>
+        </p:txBody>
+      </p:sp>
+      <p:sp>
+        <p:nvSpPr>
+          <p:cNvPr id="12" name="Rectangle 11"/>
+          <p:cNvSpPr/>
+          <p:nvPr/>
+        </p:nvSpPr>
+        <p:spPr>
+          <a:xfrm>
+            <a:off x="3635896" y="1375470"/>
+            <a:ext cx="288032" cy="382116"/>
+          </a:xfrm>
+          <a:prstGeom prst="rect">
+            <a:avLst/>
+          </a:prstGeom>
+          <a:solidFill>
+            <a:srgbClr val="00B050"/>
+          </a:solidFill>
+        </p:spPr>
+        <p:style>
+          <a:lnRef idx="2">
+            <a:schemeClr val="accent1">
+              <a:shade val="50000"/>
+            </a:schemeClr>
+          </a:lnRef>
+          <a:fillRef idx="1">
+            <a:schemeClr val="accent1"/>
+          </a:fillRef>
+          <a:effectRef idx="0">
+            <a:schemeClr val="accent1"/>
+          </a:effectRef>
+          <a:fontRef idx="minor">
+            <a:schemeClr val="lt1"/>
+          </a:fontRef>
+        </p:style>
+        <p:txBody>
+          <a:bodyPr rtlCol="0" anchor="ctr"/>
+          <a:lstStyle/>
+          <a:p>
+            <a:pPr algn="ctr"/>
+            <a:endParaRPr lang="en-GB"/>
+          </a:p>
+        </p:txBody>
+      </p:sp>
+      <p:sp>
+        <p:nvSpPr>
+          <p:cNvPr id="16" name="Rectangle 15"/>
+          <p:cNvSpPr/>
+          <p:nvPr/>
+        </p:nvSpPr>
+        <p:spPr>
+          <a:xfrm>
+            <a:off x="3635896" y="3154975"/>
+            <a:ext cx="288032" cy="72008"/>
+          </a:xfrm>
+          <a:prstGeom prst="rect">
+            <a:avLst/>
+          </a:prstGeom>
+          <a:solidFill>
+            <a:srgbClr val="00B050"/>
+          </a:solidFill>
+        </p:spPr>
+        <p:style>
+          <a:lnRef idx="2">
+            <a:schemeClr val="accent1">
+              <a:shade val="50000"/>
+            </a:schemeClr>
+          </a:lnRef>
+          <a:fillRef idx="1">
+            <a:schemeClr val="accent1"/>
+          </a:fillRef>
+          <a:effectRef idx="0">
+            <a:schemeClr val="accent1"/>
+          </a:effectRef>
+          <a:fontRef idx="minor">
+            <a:schemeClr val="lt1"/>
+          </a:fontRef>
+        </p:style>
+        <p:txBody>
+          <a:bodyPr rtlCol="0" anchor="ctr"/>
+          <a:lstStyle/>
+          <a:p>
+            <a:pPr algn="ctr"/>
+            <a:endParaRPr lang="en-GB"/>
+          </a:p>
+        </p:txBody>
+      </p:sp>
+      <p:sp>
+        <p:nvSpPr>
+          <p:cNvPr id="18" name="Rectangle 17"/>
+          <p:cNvSpPr/>
+          <p:nvPr/>
+        </p:nvSpPr>
+        <p:spPr>
+          <a:xfrm>
+            <a:off x="825999" y="2934657"/>
+            <a:ext cx="288032" cy="141149"/>
+          </a:xfrm>
+          <a:prstGeom prst="rect">
+            <a:avLst/>
+          </a:prstGeom>
+          <a:solidFill>
+            <a:srgbClr val="92D050"/>
+          </a:solidFill>
+        </p:spPr>
+        <p:style>
+          <a:lnRef idx="2">
+            <a:schemeClr val="accent1">
+              <a:shade val="50000"/>
+            </a:schemeClr>
+          </a:lnRef>
+          <a:fillRef idx="1">
+            <a:schemeClr val="accent1"/>
+          </a:fillRef>
+          <a:effectRef idx="0">
+            <a:schemeClr val="accent1"/>
+          </a:effectRef>
+          <a:fontRef idx="minor">
+            <a:schemeClr val="lt1"/>
+          </a:fontRef>
+        </p:style>
+        <p:txBody>
+          <a:bodyPr rtlCol="0" anchor="ctr"/>
+          <a:lstStyle/>
+          <a:p>
+            <a:pPr algn="ctr"/>
+            <a:endParaRPr lang="en-GB"/>
+          </a:p>
+        </p:txBody>
+      </p:sp>
+      <p:sp>
+        <p:nvSpPr>
+          <p:cNvPr id="19" name="Rectangle 18"/>
+          <p:cNvSpPr/>
+          <p:nvPr/>
+        </p:nvSpPr>
+        <p:spPr>
+          <a:xfrm>
+            <a:off x="827585" y="3332414"/>
+            <a:ext cx="288032" cy="62847"/>
+          </a:xfrm>
+          <a:prstGeom prst="rect">
+            <a:avLst/>
+          </a:prstGeom>
+          <a:solidFill>
+            <a:srgbClr val="92D050"/>
+          </a:solidFill>
+        </p:spPr>
+        <p:style>
+          <a:lnRef idx="2">
+            <a:schemeClr val="accent1">
+              <a:shade val="50000"/>
+            </a:schemeClr>
+          </a:lnRef>
+          <a:fillRef idx="1">
+            <a:schemeClr val="accent1"/>
+          </a:fillRef>
+          <a:effectRef idx="0">
+            <a:schemeClr val="accent1"/>
+          </a:effectRef>
+          <a:fontRef idx="minor">
+            <a:schemeClr val="lt1"/>
+          </a:fontRef>
+        </p:style>
+        <p:txBody>
+          <a:bodyPr rtlCol="0" anchor="ctr"/>
+          <a:lstStyle/>
+          <a:p>
+            <a:pPr algn="ctr"/>
+            <a:endParaRPr lang="en-GB"/>
+          </a:p>
+        </p:txBody>
+      </p:sp>
+      <p:sp>
+        <p:nvSpPr>
+          <p:cNvPr id="20" name="Rectangle 19"/>
+          <p:cNvSpPr/>
+          <p:nvPr/>
+        </p:nvSpPr>
+        <p:spPr>
+          <a:xfrm>
+            <a:off x="827585" y="3627336"/>
+            <a:ext cx="288032" cy="168550"/>
+          </a:xfrm>
+          <a:prstGeom prst="rect">
+            <a:avLst/>
+          </a:prstGeom>
+          <a:solidFill>
+            <a:srgbClr val="92D050"/>
+          </a:solidFill>
+        </p:spPr>
+        <p:style>
+          <a:lnRef idx="2">
+            <a:schemeClr val="accent1">
+              <a:shade val="50000"/>
+            </a:schemeClr>
+          </a:lnRef>
+          <a:fillRef idx="1">
+            <a:schemeClr val="accent1"/>
+          </a:fillRef>
+          <a:effectRef idx="0">
+            <a:schemeClr val="accent1"/>
+          </a:effectRef>
+          <a:fontRef idx="minor">
+            <a:schemeClr val="lt1"/>
+          </a:fontRef>
+        </p:style>
+        <p:txBody>
+          <a:bodyPr rtlCol="0" anchor="ctr"/>
+          <a:lstStyle/>
+          <a:p>
+            <a:pPr algn="ctr"/>
+            <a:endParaRPr lang="en-GB"/>
+          </a:p>
+        </p:txBody>
+      </p:sp>
+      <p:sp>
+        <p:nvSpPr>
+          <p:cNvPr id="24" name="Rectangle 23"/>
+          <p:cNvSpPr/>
+          <p:nvPr/>
+        </p:nvSpPr>
+        <p:spPr>
+          <a:xfrm>
+            <a:off x="3635896" y="2528802"/>
+            <a:ext cx="288032" cy="576000"/>
+          </a:xfrm>
+          <a:prstGeom prst="rect">
+            <a:avLst/>
+          </a:prstGeom>
+          <a:solidFill>
+            <a:srgbClr val="92D050"/>
+          </a:solidFill>
+        </p:spPr>
+        <p:style>
+          <a:lnRef idx="2">
+            <a:schemeClr val="accent1">
+              <a:shade val="50000"/>
+            </a:schemeClr>
+          </a:lnRef>
+          <a:fillRef idx="1">
+            <a:schemeClr val="accent1"/>
+          </a:fillRef>
+          <a:effectRef idx="0">
+            <a:schemeClr val="accent1"/>
+          </a:effectRef>
+          <a:fontRef idx="minor">
+            <a:schemeClr val="lt1"/>
+          </a:fontRef>
+        </p:style>
+        <p:txBody>
+          <a:bodyPr rtlCol="0" anchor="ctr"/>
+          <a:lstStyle/>
+          <a:p>
+            <a:pPr algn="ctr"/>
+            <a:endParaRPr lang="en-GB"/>
+          </a:p>
+        </p:txBody>
+      </p:sp>
+      <p:sp>
+        <p:nvSpPr>
+          <p:cNvPr id="25" name="Rectangle 24"/>
+          <p:cNvSpPr/>
+          <p:nvPr/>
+        </p:nvSpPr>
+        <p:spPr>
+          <a:xfrm>
+            <a:off x="3635896" y="3254246"/>
+            <a:ext cx="288032" cy="373090"/>
+          </a:xfrm>
+          <a:prstGeom prst="rect">
+            <a:avLst/>
+          </a:prstGeom>
+          <a:solidFill>
+            <a:srgbClr val="92D050"/>
+          </a:solidFill>
+        </p:spPr>
+        <p:style>
+          <a:lnRef idx="2">
+            <a:schemeClr val="accent1">
+              <a:shade val="50000"/>
+            </a:schemeClr>
+          </a:lnRef>
+          <a:fillRef idx="1">
+            <a:schemeClr val="accent1"/>
+          </a:fillRef>
+          <a:effectRef idx="0">
+            <a:schemeClr val="accent1"/>
+          </a:effectRef>
+          <a:fontRef idx="minor">
+            <a:schemeClr val="lt1"/>
+          </a:fontRef>
+        </p:style>
+        <p:txBody>
+          <a:bodyPr rtlCol="0" anchor="ctr"/>
+          <a:lstStyle/>
+          <a:p>
+            <a:pPr algn="ctr"/>
+            <a:endParaRPr lang="en-GB"/>
+          </a:p>
+        </p:txBody>
+      </p:sp>
+      <p:sp>
+        <p:nvSpPr>
+          <p:cNvPr id="28" name="Rectangle 27"/>
+          <p:cNvSpPr/>
+          <p:nvPr/>
+        </p:nvSpPr>
+        <p:spPr>
+          <a:xfrm>
+            <a:off x="825999" y="1491949"/>
+            <a:ext cx="288032" cy="72008"/>
+          </a:xfrm>
+          <a:prstGeom prst="rect">
+            <a:avLst/>
+          </a:prstGeom>
+          <a:solidFill>
+            <a:srgbClr val="00B050"/>
+          </a:solidFill>
+        </p:spPr>
+        <p:style>
+          <a:lnRef idx="2">
+            <a:schemeClr val="accent1">
+              <a:shade val="50000"/>
+            </a:schemeClr>
+          </a:lnRef>
+          <a:fillRef idx="1">
+            <a:schemeClr val="accent1"/>
+          </a:fillRef>
+          <a:effectRef idx="0">
+            <a:schemeClr val="accent1"/>
+          </a:effectRef>
+          <a:fontRef idx="minor">
+            <a:schemeClr val="lt1"/>
+          </a:fontRef>
+        </p:style>
+        <p:txBody>
+          <a:bodyPr rtlCol="0" anchor="ctr"/>
+          <a:lstStyle/>
+          <a:p>
+            <a:pPr algn="ctr"/>
+            <a:endParaRPr lang="en-GB"/>
+          </a:p>
+        </p:txBody>
+      </p:sp>
+      <p:sp>
+        <p:nvSpPr>
+          <p:cNvPr id="26" name="Rectangle 25"/>
+          <p:cNvSpPr/>
+          <p:nvPr/>
+        </p:nvSpPr>
+        <p:spPr>
+          <a:xfrm>
+            <a:off x="3618427" y="4863276"/>
+            <a:ext cx="288032" cy="79658"/>
+          </a:xfrm>
+          <a:prstGeom prst="rect">
+            <a:avLst/>
+          </a:prstGeom>
+          <a:solidFill>
+            <a:srgbClr val="00B050"/>
+          </a:solidFill>
+        </p:spPr>
+        <p:style>
+          <a:lnRef idx="2">
+            <a:schemeClr val="accent1">
+              <a:shade val="50000"/>
+            </a:schemeClr>
+          </a:lnRef>
+          <a:fillRef idx="1">
+            <a:schemeClr val="accent1"/>
+          </a:fillRef>
+          <a:effectRef idx="0">
+            <a:schemeClr val="accent1"/>
+          </a:effectRef>
+          <a:fontRef idx="minor">
+            <a:schemeClr val="lt1"/>
+          </a:fontRef>
+        </p:style>
+        <p:txBody>
+          <a:bodyPr rtlCol="0" anchor="ctr"/>
+          <a:lstStyle/>
+          <a:p>
+            <a:pPr algn="ctr"/>
+            <a:endParaRPr lang="en-GB"/>
+          </a:p>
+        </p:txBody>
+      </p:sp>
+      <p:sp>
+        <p:nvSpPr>
+          <p:cNvPr id="5" name="TextBox 4"/>
+          <p:cNvSpPr txBox="1"/>
+          <p:nvPr/>
+        </p:nvSpPr>
+        <p:spPr>
+          <a:xfrm>
+            <a:off x="3933988" y="4791505"/>
+            <a:ext cx="1241045" cy="230832"/>
+          </a:xfrm>
+          <a:prstGeom prst="rect">
+            <a:avLst/>
+          </a:prstGeom>
+          <a:noFill/>
+        </p:spPr>
+        <p:txBody>
+          <a:bodyPr wrap="none" rtlCol="0">
+            <a:spAutoFit/>
+          </a:bodyPr>
+          <a:lstStyle/>
+          <a:p>
+            <a:r>
+              <a:rPr lang="en-GB" sz="900" dirty="0" smtClean="0"/>
+              <a:t>Supported -  see video</a:t>
+            </a:r>
+            <a:endParaRPr lang="en-GB" sz="900" dirty="0"/>
+          </a:p>
+        </p:txBody>
+      </p:sp>
+      <p:sp>
+        <p:nvSpPr>
+          <p:cNvPr id="29" name="Rectangle 28"/>
+          <p:cNvSpPr/>
+          <p:nvPr/>
+        </p:nvSpPr>
+        <p:spPr>
+          <a:xfrm>
+            <a:off x="5264551" y="4859460"/>
+            <a:ext cx="288032" cy="79658"/>
+          </a:xfrm>
+          <a:prstGeom prst="rect">
+            <a:avLst/>
+          </a:prstGeom>
+          <a:solidFill>
+            <a:srgbClr val="92D050"/>
+          </a:solidFill>
+        </p:spPr>
+        <p:style>
+          <a:lnRef idx="2">
+            <a:schemeClr val="accent1">
+              <a:shade val="50000"/>
+            </a:schemeClr>
+          </a:lnRef>
+          <a:fillRef idx="1">
+            <a:schemeClr val="accent1"/>
+          </a:fillRef>
+          <a:effectRef idx="0">
+            <a:schemeClr val="accent1"/>
+          </a:effectRef>
+          <a:fontRef idx="minor">
+            <a:schemeClr val="lt1"/>
+          </a:fontRef>
+        </p:style>
+        <p:txBody>
+          <a:bodyPr rtlCol="0" anchor="ctr"/>
+          <a:lstStyle/>
+          <a:p>
+            <a:pPr algn="ctr"/>
+            <a:endParaRPr lang="en-GB"/>
+          </a:p>
+        </p:txBody>
+      </p:sp>
+      <p:sp>
+        <p:nvSpPr>
+          <p:cNvPr id="30" name="TextBox 29"/>
+          <p:cNvSpPr txBox="1"/>
+          <p:nvPr/>
+        </p:nvSpPr>
+        <p:spPr>
+          <a:xfrm>
+            <a:off x="5580112" y="4787689"/>
+            <a:ext cx="1584088" cy="230832"/>
+          </a:xfrm>
+          <a:prstGeom prst="rect">
+            <a:avLst/>
+          </a:prstGeom>
+          <a:noFill/>
+        </p:spPr>
+        <p:txBody>
+          <a:bodyPr wrap="none" rtlCol="0">
+            <a:spAutoFit/>
+          </a:bodyPr>
+          <a:lstStyle/>
+          <a:p>
+            <a:r>
+              <a:rPr lang="en-GB" sz="900" dirty="0" smtClean="0"/>
+              <a:t>Supported -  see other demos</a:t>
+            </a:r>
+            <a:endParaRPr lang="en-GB" sz="900" dirty="0"/>
+          </a:p>
+        </p:txBody>
+      </p:sp>
+      <p:sp>
+        <p:nvSpPr>
+          <p:cNvPr id="31" name="Rectangle 30"/>
+          <p:cNvSpPr/>
+          <p:nvPr/>
+        </p:nvSpPr>
+        <p:spPr>
+          <a:xfrm>
+            <a:off x="5264551" y="5014639"/>
+            <a:ext cx="288032" cy="79725"/>
+          </a:xfrm>
+          <a:prstGeom prst="rect">
+            <a:avLst/>
+          </a:prstGeom>
+          <a:solidFill>
+            <a:srgbClr val="FFC000"/>
+          </a:solidFill>
+        </p:spPr>
+        <p:style>
+          <a:lnRef idx="2">
+            <a:schemeClr val="accent1">
+              <a:shade val="50000"/>
+            </a:schemeClr>
+          </a:lnRef>
+          <a:fillRef idx="1">
+            <a:schemeClr val="accent1"/>
+          </a:fillRef>
+          <a:effectRef idx="0">
+            <a:schemeClr val="accent1"/>
+          </a:effectRef>
+          <a:fontRef idx="minor">
+            <a:schemeClr val="lt1"/>
+          </a:fontRef>
+        </p:style>
+        <p:txBody>
+          <a:bodyPr rtlCol="0" anchor="ctr"/>
+          <a:lstStyle/>
+          <a:p>
+            <a:pPr algn="ctr"/>
+            <a:endParaRPr lang="en-GB"/>
+          </a:p>
+        </p:txBody>
+      </p:sp>
+      <p:sp>
+        <p:nvSpPr>
+          <p:cNvPr id="32" name="TextBox 31"/>
+          <p:cNvSpPr txBox="1"/>
+          <p:nvPr/>
+        </p:nvSpPr>
+        <p:spPr>
+          <a:xfrm>
+            <a:off x="5580112" y="4939118"/>
+            <a:ext cx="803425" cy="230832"/>
+          </a:xfrm>
+          <a:prstGeom prst="rect">
+            <a:avLst/>
+          </a:prstGeom>
+          <a:noFill/>
+        </p:spPr>
+        <p:txBody>
+          <a:bodyPr wrap="none" rtlCol="0">
+            <a:spAutoFit/>
+          </a:bodyPr>
+          <a:lstStyle/>
+          <a:p>
+            <a:r>
+              <a:rPr lang="en-GB" sz="900" dirty="0" smtClean="0"/>
+              <a:t>No examples</a:t>
+            </a:r>
+            <a:endParaRPr lang="en-GB" sz="900" dirty="0"/>
+          </a:p>
+        </p:txBody>
+      </p:sp>
       <p:pic>
         <p:nvPicPr>
-          <p:cNvPr id="1026" name="Picture 2"/>
+          <p:cNvPr id="7" name="Picture 2"/>
           <p:cNvPicPr>
             <a:picLocks noChangeAspect="1" noChangeArrowheads="1"/>
           </p:cNvPicPr>
@@ -12867,8 +13177,8 @@
         </p:blipFill>
         <p:spPr bwMode="auto">
           <a:xfrm>
-            <a:off x="1115616" y="1347614"/>
-            <a:ext cx="1800200" cy="3754318"/>
+            <a:off x="1187624" y="1275606"/>
+            <a:ext cx="2341384" cy="3090125"/>
           </a:xfrm>
           <a:prstGeom prst="rect">
             <a:avLst/>
@@ -12910,7 +13220,7 @@
       </p:pic>
       <p:pic>
         <p:nvPicPr>
-          <p:cNvPr id="1027" name="Picture 3"/>
+          <p:cNvPr id="13" name="Picture 3"/>
           <p:cNvPicPr>
             <a:picLocks noChangeAspect="1" noChangeArrowheads="1"/>
           </p:cNvPicPr>
@@ -12931,8 +13241,8 @@
         </p:blipFill>
         <p:spPr bwMode="auto">
           <a:xfrm>
-            <a:off x="3851920" y="1347614"/>
-            <a:ext cx="3039035" cy="3330678"/>
+            <a:off x="3996241" y="1375469"/>
+            <a:ext cx="2824652" cy="3456384"/>
           </a:xfrm>
           <a:prstGeom prst="rect">
             <a:avLst/>
@@ -12974,20 +13284,20 @@
       </p:pic>
       <p:sp>
         <p:nvSpPr>
-          <p:cNvPr id="4" name="Rectangle 3"/>
+          <p:cNvPr id="34" name="Rectangle 33"/>
           <p:cNvSpPr/>
           <p:nvPr/>
         </p:nvSpPr>
         <p:spPr>
           <a:xfrm>
-            <a:off x="827584" y="1995686"/>
-            <a:ext cx="288032" cy="1080120"/>
+            <a:off x="3635896" y="1788823"/>
+            <a:ext cx="288032" cy="62847"/>
           </a:xfrm>
           <a:prstGeom prst="rect">
             <a:avLst/>
           </a:prstGeom>
           <a:solidFill>
-            <a:srgbClr val="00B050"/>
+            <a:srgbClr val="92D050"/>
           </a:solidFill>
         </p:spPr>
         <p:style>
@@ -13017,14 +13327,14 @@
       </p:sp>
       <p:sp>
         <p:nvSpPr>
-          <p:cNvPr id="8" name="Rectangle 7"/>
+          <p:cNvPr id="35" name="Rectangle 34"/>
           <p:cNvSpPr/>
           <p:nvPr/>
         </p:nvSpPr>
         <p:spPr>
           <a:xfrm>
-            <a:off x="827584" y="4083918"/>
-            <a:ext cx="288032" cy="72008"/>
+            <a:off x="3635896" y="1900384"/>
+            <a:ext cx="288032" cy="342000"/>
           </a:xfrm>
           <a:prstGeom prst="rect">
             <a:avLst/>
@@ -13054,26 +13364,26 @@
           <a:lstStyle/>
           <a:p>
             <a:pPr algn="ctr"/>
-            <a:endParaRPr lang="en-GB"/>
-          </a:p>
-        </p:txBody>
-      </p:sp>
-      <p:sp>
-        <p:nvSpPr>
-          <p:cNvPr id="9" name="Rectangle 8"/>
+            <a:endParaRPr lang="en-GB" dirty="0"/>
+          </a:p>
+        </p:txBody>
+      </p:sp>
+      <p:sp>
+        <p:nvSpPr>
+          <p:cNvPr id="36" name="Rectangle 35"/>
           <p:cNvSpPr/>
           <p:nvPr/>
         </p:nvSpPr>
         <p:spPr>
           <a:xfrm>
-            <a:off x="827585" y="4328534"/>
-            <a:ext cx="288032" cy="187432"/>
+            <a:off x="3635896" y="2292879"/>
+            <a:ext cx="288032" cy="62847"/>
           </a:xfrm>
           <a:prstGeom prst="rect">
             <a:avLst/>
           </a:prstGeom>
           <a:solidFill>
-            <a:srgbClr val="00B050"/>
+            <a:srgbClr val="92D050"/>
           </a:solidFill>
         </p:spPr>
         <p:style>
@@ -13103,13 +13413,13 @@
       </p:sp>
       <p:sp>
         <p:nvSpPr>
-          <p:cNvPr id="10" name="Rectangle 9"/>
+          <p:cNvPr id="37" name="Rectangle 36"/>
           <p:cNvSpPr/>
           <p:nvPr/>
         </p:nvSpPr>
         <p:spPr>
           <a:xfrm>
-            <a:off x="827584" y="4707107"/>
+            <a:off x="3631719" y="2427734"/>
             <a:ext cx="288032" cy="72008"/>
           </a:xfrm>
           <a:prstGeom prst="rect">
@@ -13141,870 +13451,6 @@
           <a:p>
             <a:pPr algn="ctr"/>
             <a:endParaRPr lang="en-GB"/>
-          </a:p>
-        </p:txBody>
-      </p:sp>
-      <p:sp>
-        <p:nvSpPr>
-          <p:cNvPr id="11" name="Rectangle 10"/>
-          <p:cNvSpPr/>
-          <p:nvPr/>
-        </p:nvSpPr>
-        <p:spPr>
-          <a:xfrm>
-            <a:off x="827584" y="4948014"/>
-            <a:ext cx="288032" cy="72008"/>
-          </a:xfrm>
-          <a:prstGeom prst="rect">
-            <a:avLst/>
-          </a:prstGeom>
-          <a:solidFill>
-            <a:srgbClr val="00B050"/>
-          </a:solidFill>
-        </p:spPr>
-        <p:style>
-          <a:lnRef idx="2">
-            <a:schemeClr val="accent1">
-              <a:shade val="50000"/>
-            </a:schemeClr>
-          </a:lnRef>
-          <a:fillRef idx="1">
-            <a:schemeClr val="accent1"/>
-          </a:fillRef>
-          <a:effectRef idx="0">
-            <a:schemeClr val="accent1"/>
-          </a:effectRef>
-          <a:fontRef idx="minor">
-            <a:schemeClr val="lt1"/>
-          </a:fontRef>
-        </p:style>
-        <p:txBody>
-          <a:bodyPr rtlCol="0" anchor="ctr"/>
-          <a:lstStyle/>
-          <a:p>
-            <a:pPr algn="ctr"/>
-            <a:endParaRPr lang="en-GB"/>
-          </a:p>
-        </p:txBody>
-      </p:sp>
-      <p:sp>
-        <p:nvSpPr>
-          <p:cNvPr id="12" name="Rectangle 11"/>
-          <p:cNvSpPr/>
-          <p:nvPr/>
-        </p:nvSpPr>
-        <p:spPr>
-          <a:xfrm>
-            <a:off x="3635896" y="1779662"/>
-            <a:ext cx="288032" cy="360040"/>
-          </a:xfrm>
-          <a:prstGeom prst="rect">
-            <a:avLst/>
-          </a:prstGeom>
-          <a:solidFill>
-            <a:srgbClr val="00B050"/>
-          </a:solidFill>
-        </p:spPr>
-        <p:style>
-          <a:lnRef idx="2">
-            <a:schemeClr val="accent1">
-              <a:shade val="50000"/>
-            </a:schemeClr>
-          </a:lnRef>
-          <a:fillRef idx="1">
-            <a:schemeClr val="accent1"/>
-          </a:fillRef>
-          <a:effectRef idx="0">
-            <a:schemeClr val="accent1"/>
-          </a:effectRef>
-          <a:fontRef idx="minor">
-            <a:schemeClr val="lt1"/>
-          </a:fontRef>
-        </p:style>
-        <p:txBody>
-          <a:bodyPr rtlCol="0" anchor="ctr"/>
-          <a:lstStyle/>
-          <a:p>
-            <a:pPr algn="ctr"/>
-            <a:endParaRPr lang="en-GB"/>
-          </a:p>
-        </p:txBody>
-      </p:sp>
-      <p:sp>
-        <p:nvSpPr>
-          <p:cNvPr id="15" name="Rectangle 14"/>
-          <p:cNvSpPr/>
-          <p:nvPr/>
-        </p:nvSpPr>
-        <p:spPr>
-          <a:xfrm>
-            <a:off x="3635896" y="2427734"/>
-            <a:ext cx="288032" cy="288032"/>
-          </a:xfrm>
-          <a:prstGeom prst="rect">
-            <a:avLst/>
-          </a:prstGeom>
-          <a:solidFill>
-            <a:srgbClr val="00B050"/>
-          </a:solidFill>
-        </p:spPr>
-        <p:style>
-          <a:lnRef idx="2">
-            <a:schemeClr val="accent1">
-              <a:shade val="50000"/>
-            </a:schemeClr>
-          </a:lnRef>
-          <a:fillRef idx="1">
-            <a:schemeClr val="accent1"/>
-          </a:fillRef>
-          <a:effectRef idx="0">
-            <a:schemeClr val="accent1"/>
-          </a:effectRef>
-          <a:fontRef idx="minor">
-            <a:schemeClr val="lt1"/>
-          </a:fontRef>
-        </p:style>
-        <p:txBody>
-          <a:bodyPr rtlCol="0" anchor="ctr"/>
-          <a:lstStyle/>
-          <a:p>
-            <a:pPr algn="ctr"/>
-            <a:endParaRPr lang="en-GB"/>
-          </a:p>
-        </p:txBody>
-      </p:sp>
-      <p:sp>
-        <p:nvSpPr>
-          <p:cNvPr id="16" name="Rectangle 15"/>
-          <p:cNvSpPr/>
-          <p:nvPr/>
-        </p:nvSpPr>
-        <p:spPr>
-          <a:xfrm>
-            <a:off x="3635896" y="3154975"/>
-            <a:ext cx="288032" cy="72008"/>
-          </a:xfrm>
-          <a:prstGeom prst="rect">
-            <a:avLst/>
-          </a:prstGeom>
-          <a:solidFill>
-            <a:srgbClr val="00B050"/>
-          </a:solidFill>
-        </p:spPr>
-        <p:style>
-          <a:lnRef idx="2">
-            <a:schemeClr val="accent1">
-              <a:shade val="50000"/>
-            </a:schemeClr>
-          </a:lnRef>
-          <a:fillRef idx="1">
-            <a:schemeClr val="accent1"/>
-          </a:fillRef>
-          <a:effectRef idx="0">
-            <a:schemeClr val="accent1"/>
-          </a:effectRef>
-          <a:fontRef idx="minor">
-            <a:schemeClr val="lt1"/>
-          </a:fontRef>
-        </p:style>
-        <p:txBody>
-          <a:bodyPr rtlCol="0" anchor="ctr"/>
-          <a:lstStyle/>
-          <a:p>
-            <a:pPr algn="ctr"/>
-            <a:endParaRPr lang="en-GB"/>
-          </a:p>
-        </p:txBody>
-      </p:sp>
-      <p:sp>
-        <p:nvSpPr>
-          <p:cNvPr id="17" name="Rectangle 16"/>
-          <p:cNvSpPr/>
-          <p:nvPr/>
-        </p:nvSpPr>
-        <p:spPr>
-          <a:xfrm>
-            <a:off x="3635896" y="3651870"/>
-            <a:ext cx="288032" cy="360040"/>
-          </a:xfrm>
-          <a:prstGeom prst="rect">
-            <a:avLst/>
-          </a:prstGeom>
-          <a:solidFill>
-            <a:srgbClr val="00B050"/>
-          </a:solidFill>
-        </p:spPr>
-        <p:style>
-          <a:lnRef idx="2">
-            <a:schemeClr val="accent1">
-              <a:shade val="50000"/>
-            </a:schemeClr>
-          </a:lnRef>
-          <a:fillRef idx="1">
-            <a:schemeClr val="accent1"/>
-          </a:fillRef>
-          <a:effectRef idx="0">
-            <a:schemeClr val="accent1"/>
-          </a:effectRef>
-          <a:fontRef idx="minor">
-            <a:schemeClr val="lt1"/>
-          </a:fontRef>
-        </p:style>
-        <p:txBody>
-          <a:bodyPr rtlCol="0" anchor="ctr"/>
-          <a:lstStyle/>
-          <a:p>
-            <a:pPr algn="ctr"/>
-            <a:endParaRPr lang="en-GB"/>
-          </a:p>
-        </p:txBody>
-      </p:sp>
-      <p:sp>
-        <p:nvSpPr>
-          <p:cNvPr id="18" name="Rectangle 17"/>
-          <p:cNvSpPr/>
-          <p:nvPr/>
-        </p:nvSpPr>
-        <p:spPr>
-          <a:xfrm>
-            <a:off x="827584" y="3226982"/>
-            <a:ext cx="288032" cy="784927"/>
-          </a:xfrm>
-          <a:prstGeom prst="rect">
-            <a:avLst/>
-          </a:prstGeom>
-          <a:solidFill>
-            <a:srgbClr val="92D050"/>
-          </a:solidFill>
-        </p:spPr>
-        <p:style>
-          <a:lnRef idx="2">
-            <a:schemeClr val="accent1">
-              <a:shade val="50000"/>
-            </a:schemeClr>
-          </a:lnRef>
-          <a:fillRef idx="1">
-            <a:schemeClr val="accent1"/>
-          </a:fillRef>
-          <a:effectRef idx="0">
-            <a:schemeClr val="accent1"/>
-          </a:effectRef>
-          <a:fontRef idx="minor">
-            <a:schemeClr val="lt1"/>
-          </a:fontRef>
-        </p:style>
-        <p:txBody>
-          <a:bodyPr rtlCol="0" anchor="ctr"/>
-          <a:lstStyle/>
-          <a:p>
-            <a:pPr algn="ctr"/>
-            <a:endParaRPr lang="en-GB"/>
-          </a:p>
-        </p:txBody>
-      </p:sp>
-      <p:sp>
-        <p:nvSpPr>
-          <p:cNvPr id="19" name="Rectangle 18"/>
-          <p:cNvSpPr/>
-          <p:nvPr/>
-        </p:nvSpPr>
-        <p:spPr>
-          <a:xfrm>
-            <a:off x="827584" y="4202839"/>
-            <a:ext cx="288032" cy="62847"/>
-          </a:xfrm>
-          <a:prstGeom prst="rect">
-            <a:avLst/>
-          </a:prstGeom>
-          <a:solidFill>
-            <a:srgbClr val="92D050"/>
-          </a:solidFill>
-        </p:spPr>
-        <p:style>
-          <a:lnRef idx="2">
-            <a:schemeClr val="accent1">
-              <a:shade val="50000"/>
-            </a:schemeClr>
-          </a:lnRef>
-          <a:fillRef idx="1">
-            <a:schemeClr val="accent1"/>
-          </a:fillRef>
-          <a:effectRef idx="0">
-            <a:schemeClr val="accent1"/>
-          </a:effectRef>
-          <a:fontRef idx="minor">
-            <a:schemeClr val="lt1"/>
-          </a:fontRef>
-        </p:style>
-        <p:txBody>
-          <a:bodyPr rtlCol="0" anchor="ctr"/>
-          <a:lstStyle/>
-          <a:p>
-            <a:pPr algn="ctr"/>
-            <a:endParaRPr lang="en-GB"/>
-          </a:p>
-        </p:txBody>
-      </p:sp>
-      <p:sp>
-        <p:nvSpPr>
-          <p:cNvPr id="20" name="Rectangle 19"/>
-          <p:cNvSpPr/>
-          <p:nvPr/>
-        </p:nvSpPr>
-        <p:spPr>
-          <a:xfrm>
-            <a:off x="827584" y="4575588"/>
-            <a:ext cx="288032" cy="62847"/>
-          </a:xfrm>
-          <a:prstGeom prst="rect">
-            <a:avLst/>
-          </a:prstGeom>
-          <a:solidFill>
-            <a:srgbClr val="92D050"/>
-          </a:solidFill>
-        </p:spPr>
-        <p:style>
-          <a:lnRef idx="2">
-            <a:schemeClr val="accent1">
-              <a:shade val="50000"/>
-            </a:schemeClr>
-          </a:lnRef>
-          <a:fillRef idx="1">
-            <a:schemeClr val="accent1"/>
-          </a:fillRef>
-          <a:effectRef idx="0">
-            <a:schemeClr val="accent1"/>
-          </a:effectRef>
-          <a:fontRef idx="minor">
-            <a:schemeClr val="lt1"/>
-          </a:fontRef>
-        </p:style>
-        <p:txBody>
-          <a:bodyPr rtlCol="0" anchor="ctr"/>
-          <a:lstStyle/>
-          <a:p>
-            <a:pPr algn="ctr"/>
-            <a:endParaRPr lang="en-GB"/>
-          </a:p>
-        </p:txBody>
-      </p:sp>
-      <p:sp>
-        <p:nvSpPr>
-          <p:cNvPr id="21" name="Rectangle 20"/>
-          <p:cNvSpPr/>
-          <p:nvPr/>
-        </p:nvSpPr>
-        <p:spPr>
-          <a:xfrm>
-            <a:off x="827584" y="4831853"/>
-            <a:ext cx="288032" cy="62847"/>
-          </a:xfrm>
-          <a:prstGeom prst="rect">
-            <a:avLst/>
-          </a:prstGeom>
-          <a:solidFill>
-            <a:srgbClr val="92D050"/>
-          </a:solidFill>
-        </p:spPr>
-        <p:style>
-          <a:lnRef idx="2">
-            <a:schemeClr val="accent1">
-              <a:shade val="50000"/>
-            </a:schemeClr>
-          </a:lnRef>
-          <a:fillRef idx="1">
-            <a:schemeClr val="accent1"/>
-          </a:fillRef>
-          <a:effectRef idx="0">
-            <a:schemeClr val="accent1"/>
-          </a:effectRef>
-          <a:fontRef idx="minor">
-            <a:schemeClr val="lt1"/>
-          </a:fontRef>
-        </p:style>
-        <p:txBody>
-          <a:bodyPr rtlCol="0" anchor="ctr"/>
-          <a:lstStyle/>
-          <a:p>
-            <a:pPr algn="ctr"/>
-            <a:endParaRPr lang="en-GB"/>
-          </a:p>
-        </p:txBody>
-      </p:sp>
-      <p:sp>
-        <p:nvSpPr>
-          <p:cNvPr id="22" name="Rectangle 21"/>
-          <p:cNvSpPr/>
-          <p:nvPr/>
-        </p:nvSpPr>
-        <p:spPr>
-          <a:xfrm>
-            <a:off x="3635896" y="1419622"/>
-            <a:ext cx="288032" cy="288032"/>
-          </a:xfrm>
-          <a:prstGeom prst="rect">
-            <a:avLst/>
-          </a:prstGeom>
-          <a:solidFill>
-            <a:srgbClr val="92D050"/>
-          </a:solidFill>
-        </p:spPr>
-        <p:style>
-          <a:lnRef idx="2">
-            <a:schemeClr val="accent1">
-              <a:shade val="50000"/>
-            </a:schemeClr>
-          </a:lnRef>
-          <a:fillRef idx="1">
-            <a:schemeClr val="accent1"/>
-          </a:fillRef>
-          <a:effectRef idx="0">
-            <a:schemeClr val="accent1"/>
-          </a:effectRef>
-          <a:fontRef idx="minor">
-            <a:schemeClr val="lt1"/>
-          </a:fontRef>
-        </p:style>
-        <p:txBody>
-          <a:bodyPr rtlCol="0" anchor="ctr"/>
-          <a:lstStyle/>
-          <a:p>
-            <a:pPr algn="ctr"/>
-            <a:endParaRPr lang="en-GB"/>
-          </a:p>
-        </p:txBody>
-      </p:sp>
-      <p:sp>
-        <p:nvSpPr>
-          <p:cNvPr id="23" name="Rectangle 22"/>
-          <p:cNvSpPr/>
-          <p:nvPr/>
-        </p:nvSpPr>
-        <p:spPr>
-          <a:xfrm>
-            <a:off x="3635896" y="2188417"/>
-            <a:ext cx="288032" cy="199507"/>
-          </a:xfrm>
-          <a:prstGeom prst="rect">
-            <a:avLst/>
-          </a:prstGeom>
-          <a:solidFill>
-            <a:srgbClr val="92D050"/>
-          </a:solidFill>
-        </p:spPr>
-        <p:style>
-          <a:lnRef idx="2">
-            <a:schemeClr val="accent1">
-              <a:shade val="50000"/>
-            </a:schemeClr>
-          </a:lnRef>
-          <a:fillRef idx="1">
-            <a:schemeClr val="accent1"/>
-          </a:fillRef>
-          <a:effectRef idx="0">
-            <a:schemeClr val="accent1"/>
-          </a:effectRef>
-          <a:fontRef idx="minor">
-            <a:schemeClr val="lt1"/>
-          </a:fontRef>
-        </p:style>
-        <p:txBody>
-          <a:bodyPr rtlCol="0" anchor="ctr"/>
-          <a:lstStyle/>
-          <a:p>
-            <a:pPr algn="ctr"/>
-            <a:endParaRPr lang="en-GB"/>
-          </a:p>
-        </p:txBody>
-      </p:sp>
-      <p:sp>
-        <p:nvSpPr>
-          <p:cNvPr id="24" name="Rectangle 23"/>
-          <p:cNvSpPr/>
-          <p:nvPr/>
-        </p:nvSpPr>
-        <p:spPr>
-          <a:xfrm>
-            <a:off x="3635896" y="2753365"/>
-            <a:ext cx="288032" cy="362584"/>
-          </a:xfrm>
-          <a:prstGeom prst="rect">
-            <a:avLst/>
-          </a:prstGeom>
-          <a:solidFill>
-            <a:srgbClr val="92D050"/>
-          </a:solidFill>
-        </p:spPr>
-        <p:style>
-          <a:lnRef idx="2">
-            <a:schemeClr val="accent1">
-              <a:shade val="50000"/>
-            </a:schemeClr>
-          </a:lnRef>
-          <a:fillRef idx="1">
-            <a:schemeClr val="accent1"/>
-          </a:fillRef>
-          <a:effectRef idx="0">
-            <a:schemeClr val="accent1"/>
-          </a:effectRef>
-          <a:fontRef idx="minor">
-            <a:schemeClr val="lt1"/>
-          </a:fontRef>
-        </p:style>
-        <p:txBody>
-          <a:bodyPr rtlCol="0" anchor="ctr"/>
-          <a:lstStyle/>
-          <a:p>
-            <a:pPr algn="ctr"/>
-            <a:endParaRPr lang="en-GB"/>
-          </a:p>
-        </p:txBody>
-      </p:sp>
-      <p:sp>
-        <p:nvSpPr>
-          <p:cNvPr id="25" name="Rectangle 24"/>
-          <p:cNvSpPr/>
-          <p:nvPr/>
-        </p:nvSpPr>
-        <p:spPr>
-          <a:xfrm>
-            <a:off x="3635896" y="3254246"/>
-            <a:ext cx="288032" cy="362584"/>
-          </a:xfrm>
-          <a:prstGeom prst="rect">
-            <a:avLst/>
-          </a:prstGeom>
-          <a:solidFill>
-            <a:srgbClr val="92D050"/>
-          </a:solidFill>
-        </p:spPr>
-        <p:style>
-          <a:lnRef idx="2">
-            <a:schemeClr val="accent1">
-              <a:shade val="50000"/>
-            </a:schemeClr>
-          </a:lnRef>
-          <a:fillRef idx="1">
-            <a:schemeClr val="accent1"/>
-          </a:fillRef>
-          <a:effectRef idx="0">
-            <a:schemeClr val="accent1"/>
-          </a:effectRef>
-          <a:fontRef idx="minor">
-            <a:schemeClr val="lt1"/>
-          </a:fontRef>
-        </p:style>
-        <p:txBody>
-          <a:bodyPr rtlCol="0" anchor="ctr"/>
-          <a:lstStyle/>
-          <a:p>
-            <a:pPr algn="ctr"/>
-            <a:endParaRPr lang="en-GB"/>
-          </a:p>
-        </p:txBody>
-      </p:sp>
-      <p:sp>
-        <p:nvSpPr>
-          <p:cNvPr id="27" name="Rectangle 26"/>
-          <p:cNvSpPr/>
-          <p:nvPr/>
-        </p:nvSpPr>
-        <p:spPr>
-          <a:xfrm>
-            <a:off x="825999" y="3117882"/>
-            <a:ext cx="288032" cy="62847"/>
-          </a:xfrm>
-          <a:prstGeom prst="rect">
-            <a:avLst/>
-          </a:prstGeom>
-          <a:solidFill>
-            <a:srgbClr val="FFC000"/>
-          </a:solidFill>
-        </p:spPr>
-        <p:style>
-          <a:lnRef idx="2">
-            <a:schemeClr val="accent1">
-              <a:shade val="50000"/>
-            </a:schemeClr>
-          </a:lnRef>
-          <a:fillRef idx="1">
-            <a:schemeClr val="accent1"/>
-          </a:fillRef>
-          <a:effectRef idx="0">
-            <a:schemeClr val="accent1"/>
-          </a:effectRef>
-          <a:fontRef idx="minor">
-            <a:schemeClr val="lt1"/>
-          </a:fontRef>
-        </p:style>
-        <p:txBody>
-          <a:bodyPr rtlCol="0" anchor="ctr"/>
-          <a:lstStyle/>
-          <a:p>
-            <a:pPr algn="ctr"/>
-            <a:endParaRPr lang="en-GB"/>
-          </a:p>
-        </p:txBody>
-      </p:sp>
-      <p:sp>
-        <p:nvSpPr>
-          <p:cNvPr id="28" name="Rectangle 27"/>
-          <p:cNvSpPr/>
-          <p:nvPr/>
-        </p:nvSpPr>
-        <p:spPr>
-          <a:xfrm>
-            <a:off x="825999" y="1642184"/>
-            <a:ext cx="288032" cy="72008"/>
-          </a:xfrm>
-          <a:prstGeom prst="rect">
-            <a:avLst/>
-          </a:prstGeom>
-          <a:solidFill>
-            <a:srgbClr val="00B050"/>
-          </a:solidFill>
-        </p:spPr>
-        <p:style>
-          <a:lnRef idx="2">
-            <a:schemeClr val="accent1">
-              <a:shade val="50000"/>
-            </a:schemeClr>
-          </a:lnRef>
-          <a:fillRef idx="1">
-            <a:schemeClr val="accent1"/>
-          </a:fillRef>
-          <a:effectRef idx="0">
-            <a:schemeClr val="accent1"/>
-          </a:effectRef>
-          <a:fontRef idx="minor">
-            <a:schemeClr val="lt1"/>
-          </a:fontRef>
-        </p:style>
-        <p:txBody>
-          <a:bodyPr rtlCol="0" anchor="ctr"/>
-          <a:lstStyle/>
-          <a:p>
-            <a:pPr algn="ctr"/>
-            <a:endParaRPr lang="en-GB"/>
-          </a:p>
-        </p:txBody>
-      </p:sp>
-      <p:sp>
-        <p:nvSpPr>
-          <p:cNvPr id="26" name="Rectangle 25"/>
-          <p:cNvSpPr/>
-          <p:nvPr/>
-        </p:nvSpPr>
-        <p:spPr>
-          <a:xfrm>
-            <a:off x="3618427" y="4863276"/>
-            <a:ext cx="288032" cy="79658"/>
-          </a:xfrm>
-          <a:prstGeom prst="rect">
-            <a:avLst/>
-          </a:prstGeom>
-          <a:solidFill>
-            <a:srgbClr val="00B050"/>
-          </a:solidFill>
-        </p:spPr>
-        <p:style>
-          <a:lnRef idx="2">
-            <a:schemeClr val="accent1">
-              <a:shade val="50000"/>
-            </a:schemeClr>
-          </a:lnRef>
-          <a:fillRef idx="1">
-            <a:schemeClr val="accent1"/>
-          </a:fillRef>
-          <a:effectRef idx="0">
-            <a:schemeClr val="accent1"/>
-          </a:effectRef>
-          <a:fontRef idx="minor">
-            <a:schemeClr val="lt1"/>
-          </a:fontRef>
-        </p:style>
-        <p:txBody>
-          <a:bodyPr rtlCol="0" anchor="ctr"/>
-          <a:lstStyle/>
-          <a:p>
-            <a:pPr algn="ctr"/>
-            <a:endParaRPr lang="en-GB"/>
-          </a:p>
-        </p:txBody>
-      </p:sp>
-      <p:sp>
-        <p:nvSpPr>
-          <p:cNvPr id="5" name="TextBox 4"/>
-          <p:cNvSpPr txBox="1"/>
-          <p:nvPr/>
-        </p:nvSpPr>
-        <p:spPr>
-          <a:xfrm>
-            <a:off x="3933988" y="4791505"/>
-            <a:ext cx="1241045" cy="230832"/>
-          </a:xfrm>
-          <a:prstGeom prst="rect">
-            <a:avLst/>
-          </a:prstGeom>
-          <a:noFill/>
-        </p:spPr>
-        <p:txBody>
-          <a:bodyPr wrap="none" rtlCol="0">
-            <a:spAutoFit/>
-          </a:bodyPr>
-          <a:lstStyle/>
-          <a:p>
-            <a:r>
-              <a:rPr lang="en-GB" sz="900" dirty="0" smtClean="0"/>
-              <a:t>Supported -  see video</a:t>
-            </a:r>
-            <a:endParaRPr lang="en-GB" sz="900" dirty="0"/>
-          </a:p>
-        </p:txBody>
-      </p:sp>
-      <p:sp>
-        <p:nvSpPr>
-          <p:cNvPr id="29" name="Rectangle 28"/>
-          <p:cNvSpPr/>
-          <p:nvPr/>
-        </p:nvSpPr>
-        <p:spPr>
-          <a:xfrm>
-            <a:off x="5264551" y="4859460"/>
-            <a:ext cx="288032" cy="79658"/>
-          </a:xfrm>
-          <a:prstGeom prst="rect">
-            <a:avLst/>
-          </a:prstGeom>
-          <a:solidFill>
-            <a:srgbClr val="92D050"/>
-          </a:solidFill>
-        </p:spPr>
-        <p:style>
-          <a:lnRef idx="2">
-            <a:schemeClr val="accent1">
-              <a:shade val="50000"/>
-            </a:schemeClr>
-          </a:lnRef>
-          <a:fillRef idx="1">
-            <a:schemeClr val="accent1"/>
-          </a:fillRef>
-          <a:effectRef idx="0">
-            <a:schemeClr val="accent1"/>
-          </a:effectRef>
-          <a:fontRef idx="minor">
-            <a:schemeClr val="lt1"/>
-          </a:fontRef>
-        </p:style>
-        <p:txBody>
-          <a:bodyPr rtlCol="0" anchor="ctr"/>
-          <a:lstStyle/>
-          <a:p>
-            <a:pPr algn="ctr"/>
-            <a:endParaRPr lang="en-GB"/>
-          </a:p>
-        </p:txBody>
-      </p:sp>
-      <p:sp>
-        <p:nvSpPr>
-          <p:cNvPr id="30" name="TextBox 29"/>
-          <p:cNvSpPr txBox="1"/>
-          <p:nvPr/>
-        </p:nvSpPr>
-        <p:spPr>
-          <a:xfrm>
-            <a:off x="5580112" y="4787689"/>
-            <a:ext cx="1584088" cy="230832"/>
-          </a:xfrm>
-          <a:prstGeom prst="rect">
-            <a:avLst/>
-          </a:prstGeom>
-          <a:noFill/>
-        </p:spPr>
-        <p:txBody>
-          <a:bodyPr wrap="none" rtlCol="0">
-            <a:spAutoFit/>
-          </a:bodyPr>
-          <a:lstStyle/>
-          <a:p>
-            <a:r>
-              <a:rPr lang="en-GB" sz="900" dirty="0" smtClean="0"/>
-              <a:t>Supported -  see other demos</a:t>
-            </a:r>
-            <a:endParaRPr lang="en-GB" sz="900" dirty="0"/>
-          </a:p>
-        </p:txBody>
-      </p:sp>
-      <p:sp>
-        <p:nvSpPr>
-          <p:cNvPr id="31" name="Rectangle 30"/>
-          <p:cNvSpPr/>
-          <p:nvPr/>
-        </p:nvSpPr>
-        <p:spPr>
-          <a:xfrm>
-            <a:off x="5264551" y="5014639"/>
-            <a:ext cx="288032" cy="79725"/>
-          </a:xfrm>
-          <a:prstGeom prst="rect">
-            <a:avLst/>
-          </a:prstGeom>
-          <a:solidFill>
-            <a:srgbClr val="FFC000"/>
-          </a:solidFill>
-        </p:spPr>
-        <p:style>
-          <a:lnRef idx="2">
-            <a:schemeClr val="accent1">
-              <a:shade val="50000"/>
-            </a:schemeClr>
-          </a:lnRef>
-          <a:fillRef idx="1">
-            <a:schemeClr val="accent1"/>
-          </a:fillRef>
-          <a:effectRef idx="0">
-            <a:schemeClr val="accent1"/>
-          </a:effectRef>
-          <a:fontRef idx="minor">
-            <a:schemeClr val="lt1"/>
-          </a:fontRef>
-        </p:style>
-        <p:txBody>
-          <a:bodyPr rtlCol="0" anchor="ctr"/>
-          <a:lstStyle/>
-          <a:p>
-            <a:pPr algn="ctr"/>
-            <a:endParaRPr lang="en-GB"/>
-          </a:p>
-        </p:txBody>
-      </p:sp>
-      <p:sp>
-        <p:nvSpPr>
-          <p:cNvPr id="32" name="TextBox 31"/>
-          <p:cNvSpPr txBox="1"/>
-          <p:nvPr/>
-        </p:nvSpPr>
-        <p:spPr>
-          <a:xfrm>
-            <a:off x="5580112" y="4939118"/>
-            <a:ext cx="898003" cy="230832"/>
-          </a:xfrm>
-          <a:prstGeom prst="rect">
-            <a:avLst/>
-          </a:prstGeom>
-          <a:noFill/>
-        </p:spPr>
-        <p:txBody>
-          <a:bodyPr wrap="none" rtlCol="0">
-            <a:spAutoFit/>
-          </a:bodyPr>
-          <a:lstStyle/>
-          <a:p>
-            <a:r>
-              <a:rPr lang="en-GB" sz="900" dirty="0" smtClean="0"/>
-              <a:t>Not supported </a:t>
-            </a:r>
-            <a:endParaRPr lang="en-GB" sz="900" dirty="0"/>
           </a:p>
         </p:txBody>
       </p:sp>
